--- a/Lecture slides/NYT B04 - Design Science Research.pptx
+++ b/Lecture slides/NYT B04 - Design Science Research.pptx
@@ -707,7 +707,7 @@
   <p:cSld>
     <p:spTree>
       <p:nvGrpSpPr>
-        <p:cNvPr id="32" name="Shape 32"/>
+        <p:cNvPr id="33" name="Shape 33"/>
         <p:cNvGrpSpPr/>
         <p:nvPr/>
       </p:nvGrpSpPr>
@@ -721,7 +721,7 @@
       </p:grpSpPr>
       <p:sp>
         <p:nvSpPr>
-          <p:cNvPr id="33" name="Google Shape;33;g10386efa337_0_7:notes"/>
+          <p:cNvPr id="34" name="Google Shape;34;g2c370db3cac_0_32:notes"/>
           <p:cNvSpPr/>
           <p:nvPr>
             <p:ph idx="2" type="sldImg"/>
@@ -756,7 +756,7 @@
       </p:sp>
       <p:sp>
         <p:nvSpPr>
-          <p:cNvPr id="34" name="Google Shape;34;g10386efa337_0_7:notes"/>
+          <p:cNvPr id="35" name="Google Shape;35;g2c370db3cac_0_32:notes"/>
           <p:cNvSpPr txBox="1"/>
           <p:nvPr>
             <p:ph idx="1" type="body"/>
@@ -806,7 +806,7 @@
   <p:cSld>
     <p:spTree>
       <p:nvGrpSpPr>
-        <p:cNvPr id="92" name="Shape 92"/>
+        <p:cNvPr id="93" name="Shape 93"/>
         <p:cNvGrpSpPr/>
         <p:nvPr/>
       </p:nvGrpSpPr>
@@ -820,7 +820,7 @@
       </p:grpSpPr>
       <p:sp>
         <p:nvSpPr>
-          <p:cNvPr id="93" name="Google Shape;93;g2136f098fd5_0_33:notes"/>
+          <p:cNvPr id="94" name="Google Shape;94;g2136f098fd5_0_33:notes"/>
           <p:cNvSpPr/>
           <p:nvPr>
             <p:ph idx="2" type="sldImg"/>
@@ -855,7 +855,7 @@
       </p:sp>
       <p:sp>
         <p:nvSpPr>
-          <p:cNvPr id="94" name="Google Shape;94;g2136f098fd5_0_33:notes"/>
+          <p:cNvPr id="95" name="Google Shape;95;g2136f098fd5_0_33:notes"/>
           <p:cNvSpPr txBox="1"/>
           <p:nvPr>
             <p:ph idx="1" type="body"/>
@@ -905,7 +905,7 @@
   <p:cSld>
     <p:spTree>
       <p:nvGrpSpPr>
-        <p:cNvPr id="100" name="Shape 100"/>
+        <p:cNvPr id="101" name="Shape 101"/>
         <p:cNvGrpSpPr/>
         <p:nvPr/>
       </p:nvGrpSpPr>
@@ -919,7 +919,7 @@
       </p:grpSpPr>
       <p:sp>
         <p:nvSpPr>
-          <p:cNvPr id="101" name="Google Shape;101;g213c6de8f0c_1_17:notes"/>
+          <p:cNvPr id="102" name="Google Shape;102;g213c6de8f0c_1_17:notes"/>
           <p:cNvSpPr/>
           <p:nvPr>
             <p:ph idx="2" type="sldImg"/>
@@ -954,7 +954,7 @@
       </p:sp>
       <p:sp>
         <p:nvSpPr>
-          <p:cNvPr id="102" name="Google Shape;102;g213c6de8f0c_1_17:notes"/>
+          <p:cNvPr id="103" name="Google Shape;103;g213c6de8f0c_1_17:notes"/>
           <p:cNvSpPr txBox="1"/>
           <p:nvPr>
             <p:ph idx="1" type="body"/>
@@ -1004,7 +1004,7 @@
   <p:cSld>
     <p:spTree>
       <p:nvGrpSpPr>
-        <p:cNvPr id="108" name="Shape 108"/>
+        <p:cNvPr id="109" name="Shape 109"/>
         <p:cNvGrpSpPr/>
         <p:nvPr/>
       </p:nvGrpSpPr>
@@ -1018,7 +1018,7 @@
       </p:grpSpPr>
       <p:sp>
         <p:nvSpPr>
-          <p:cNvPr id="109" name="Google Shape;109;g213c6de8f0c_1_8:notes"/>
+          <p:cNvPr id="110" name="Google Shape;110;g213c6de8f0c_1_8:notes"/>
           <p:cNvSpPr/>
           <p:nvPr>
             <p:ph idx="2" type="sldImg"/>
@@ -1053,7 +1053,7 @@
       </p:sp>
       <p:sp>
         <p:nvSpPr>
-          <p:cNvPr id="110" name="Google Shape;110;g213c6de8f0c_1_8:notes"/>
+          <p:cNvPr id="111" name="Google Shape;111;g213c6de8f0c_1_8:notes"/>
           <p:cNvSpPr txBox="1"/>
           <p:nvPr>
             <p:ph idx="1" type="body"/>
@@ -1103,7 +1103,7 @@
   <p:cSld>
     <p:spTree>
       <p:nvGrpSpPr>
-        <p:cNvPr id="116" name="Shape 116"/>
+        <p:cNvPr id="117" name="Shape 117"/>
         <p:cNvGrpSpPr/>
         <p:nvPr/>
       </p:nvGrpSpPr>
@@ -1117,7 +1117,7 @@
       </p:grpSpPr>
       <p:sp>
         <p:nvSpPr>
-          <p:cNvPr id="117" name="Google Shape;117;g213772eb118_0_27:notes"/>
+          <p:cNvPr id="118" name="Google Shape;118;g213772eb118_0_27:notes"/>
           <p:cNvSpPr/>
           <p:nvPr>
             <p:ph idx="2" type="sldImg"/>
@@ -1152,7 +1152,7 @@
       </p:sp>
       <p:sp>
         <p:nvSpPr>
-          <p:cNvPr id="118" name="Google Shape;118;g213772eb118_0_27:notes"/>
+          <p:cNvPr id="119" name="Google Shape;119;g213772eb118_0_27:notes"/>
           <p:cNvSpPr txBox="1"/>
           <p:nvPr>
             <p:ph idx="1" type="body"/>
@@ -1202,7 +1202,7 @@
   <p:cSld>
     <p:spTree>
       <p:nvGrpSpPr>
-        <p:cNvPr id="123" name="Shape 123"/>
+        <p:cNvPr id="124" name="Shape 124"/>
         <p:cNvGrpSpPr/>
         <p:nvPr/>
       </p:nvGrpSpPr>
@@ -1216,7 +1216,7 @@
       </p:grpSpPr>
       <p:sp>
         <p:nvSpPr>
-          <p:cNvPr id="124" name="Google Shape;124;g2136f098fd5_0_47:notes"/>
+          <p:cNvPr id="125" name="Google Shape;125;g2136f098fd5_0_47:notes"/>
           <p:cNvSpPr/>
           <p:nvPr>
             <p:ph idx="2" type="sldImg"/>
@@ -1251,7 +1251,7 @@
       </p:sp>
       <p:sp>
         <p:nvSpPr>
-          <p:cNvPr id="125" name="Google Shape;125;g2136f098fd5_0_47:notes"/>
+          <p:cNvPr id="126" name="Google Shape;126;g2136f098fd5_0_47:notes"/>
           <p:cNvSpPr txBox="1"/>
           <p:nvPr>
             <p:ph idx="1" type="body"/>
@@ -1301,7 +1301,7 @@
   <p:cSld>
     <p:spTree>
       <p:nvGrpSpPr>
-        <p:cNvPr id="130" name="Shape 130"/>
+        <p:cNvPr id="131" name="Shape 131"/>
         <p:cNvGrpSpPr/>
         <p:nvPr/>
       </p:nvGrpSpPr>
@@ -1315,7 +1315,7 @@
       </p:grpSpPr>
       <p:sp>
         <p:nvSpPr>
-          <p:cNvPr id="131" name="Google Shape;131;g213c6de8f0c_1_0:notes"/>
+          <p:cNvPr id="132" name="Google Shape;132;g213c6de8f0c_1_0:notes"/>
           <p:cNvSpPr/>
           <p:nvPr>
             <p:ph idx="2" type="sldImg"/>
@@ -1350,7 +1350,7 @@
       </p:sp>
       <p:sp>
         <p:nvSpPr>
-          <p:cNvPr id="132" name="Google Shape;132;g213c6de8f0c_1_0:notes"/>
+          <p:cNvPr id="133" name="Google Shape;133;g213c6de8f0c_1_0:notes"/>
           <p:cNvSpPr txBox="1"/>
           <p:nvPr>
             <p:ph idx="1" type="body"/>
@@ -1400,7 +1400,7 @@
   <p:cSld>
     <p:spTree>
       <p:nvGrpSpPr>
-        <p:cNvPr id="138" name="Shape 138"/>
+        <p:cNvPr id="139" name="Shape 139"/>
         <p:cNvGrpSpPr/>
         <p:nvPr/>
       </p:nvGrpSpPr>
@@ -1414,7 +1414,7 @@
       </p:grpSpPr>
       <p:sp>
         <p:nvSpPr>
-          <p:cNvPr id="139" name="Google Shape;139;gf5a950148e_0_0:notes"/>
+          <p:cNvPr id="140" name="Google Shape;140;g23960e6332b_0_38:notes"/>
           <p:cNvSpPr/>
           <p:nvPr>
             <p:ph idx="2" type="sldImg"/>
@@ -1449,7 +1449,7 @@
       </p:sp>
       <p:sp>
         <p:nvSpPr>
-          <p:cNvPr id="140" name="Google Shape;140;gf5a950148e_0_0:notes"/>
+          <p:cNvPr id="141" name="Google Shape;141;g23960e6332b_0_38:notes"/>
           <p:cNvSpPr txBox="1"/>
           <p:nvPr>
             <p:ph idx="1" type="body"/>
@@ -1499,7 +1499,7 @@
   <p:cSld>
     <p:spTree>
       <p:nvGrpSpPr>
-        <p:cNvPr id="144" name="Shape 144"/>
+        <p:cNvPr id="145" name="Shape 145"/>
         <p:cNvGrpSpPr/>
         <p:nvPr/>
       </p:nvGrpSpPr>
@@ -1513,7 +1513,7 @@
       </p:grpSpPr>
       <p:sp>
         <p:nvSpPr>
-          <p:cNvPr id="145" name="Google Shape;145;gf5a950148e_0_6:notes"/>
+          <p:cNvPr id="146" name="Google Shape;146;g23960e6332b_0_43:notes"/>
           <p:cNvSpPr/>
           <p:nvPr>
             <p:ph idx="2" type="sldImg"/>
@@ -1548,7 +1548,7 @@
       </p:sp>
       <p:sp>
         <p:nvSpPr>
-          <p:cNvPr id="146" name="Google Shape;146;gf5a950148e_0_6:notes"/>
+          <p:cNvPr id="147" name="Google Shape;147;g23960e6332b_0_43:notes"/>
           <p:cNvSpPr txBox="1"/>
           <p:nvPr>
             <p:ph idx="1" type="body"/>
@@ -1598,7 +1598,7 @@
   <p:cSld>
     <p:spTree>
       <p:nvGrpSpPr>
-        <p:cNvPr id="38" name="Shape 38"/>
+        <p:cNvPr id="39" name="Shape 39"/>
         <p:cNvGrpSpPr/>
         <p:nvPr/>
       </p:nvGrpSpPr>
@@ -1612,7 +1612,7 @@
       </p:grpSpPr>
       <p:sp>
         <p:nvSpPr>
-          <p:cNvPr id="39" name="Google Shape;39;g21605a233c5_0_0:notes"/>
+          <p:cNvPr id="40" name="Google Shape;40;g21605a233c5_0_0:notes"/>
           <p:cNvSpPr/>
           <p:nvPr>
             <p:ph idx="2" type="sldImg"/>
@@ -1647,7 +1647,7 @@
       </p:sp>
       <p:sp>
         <p:nvSpPr>
-          <p:cNvPr id="40" name="Google Shape;40;g21605a233c5_0_0:notes"/>
+          <p:cNvPr id="41" name="Google Shape;41;g21605a233c5_0_0:notes"/>
           <p:cNvSpPr txBox="1"/>
           <p:nvPr>
             <p:ph idx="1" type="body"/>
@@ -1697,7 +1697,7 @@
   <p:cSld>
     <p:spTree>
       <p:nvGrpSpPr>
-        <p:cNvPr id="45" name="Shape 45"/>
+        <p:cNvPr id="46" name="Shape 46"/>
         <p:cNvGrpSpPr/>
         <p:nvPr/>
       </p:nvGrpSpPr>
@@ -1711,7 +1711,7 @@
       </p:grpSpPr>
       <p:sp>
         <p:nvSpPr>
-          <p:cNvPr id="46" name="Google Shape;46;g21605a233c5_0_6:notes"/>
+          <p:cNvPr id="47" name="Google Shape;47;g21605a233c5_0_6:notes"/>
           <p:cNvSpPr/>
           <p:nvPr>
             <p:ph idx="2" type="sldImg"/>
@@ -1746,7 +1746,7 @@
       </p:sp>
       <p:sp>
         <p:nvSpPr>
-          <p:cNvPr id="47" name="Google Shape;47;g21605a233c5_0_6:notes"/>
+          <p:cNvPr id="48" name="Google Shape;48;g21605a233c5_0_6:notes"/>
           <p:cNvSpPr txBox="1"/>
           <p:nvPr>
             <p:ph idx="1" type="body"/>
@@ -1796,7 +1796,7 @@
   <p:cSld>
     <p:spTree>
       <p:nvGrpSpPr>
-        <p:cNvPr id="50" name="Shape 50"/>
+        <p:cNvPr id="51" name="Shape 51"/>
         <p:cNvGrpSpPr/>
         <p:nvPr/>
       </p:nvGrpSpPr>
@@ -1810,7 +1810,7 @@
       </p:grpSpPr>
       <p:sp>
         <p:nvSpPr>
-          <p:cNvPr id="51" name="Google Shape;51;g21605a233c5_0_16:notes"/>
+          <p:cNvPr id="52" name="Google Shape;52;g21605a233c5_0_16:notes"/>
           <p:cNvSpPr/>
           <p:nvPr>
             <p:ph idx="2" type="sldImg"/>
@@ -1845,7 +1845,7 @@
       </p:sp>
       <p:sp>
         <p:nvSpPr>
-          <p:cNvPr id="52" name="Google Shape;52;g21605a233c5_0_16:notes"/>
+          <p:cNvPr id="53" name="Google Shape;53;g21605a233c5_0_16:notes"/>
           <p:cNvSpPr txBox="1"/>
           <p:nvPr>
             <p:ph idx="1" type="body"/>
@@ -1895,7 +1895,7 @@
   <p:cSld>
     <p:spTree>
       <p:nvGrpSpPr>
-        <p:cNvPr id="57" name="Shape 57"/>
+        <p:cNvPr id="58" name="Shape 58"/>
         <p:cNvGrpSpPr/>
         <p:nvPr/>
       </p:nvGrpSpPr>
@@ -1909,7 +1909,7 @@
       </p:grpSpPr>
       <p:sp>
         <p:nvSpPr>
-          <p:cNvPr id="58" name="Google Shape;58;g216a67214f2_0_0:notes"/>
+          <p:cNvPr id="59" name="Google Shape;59;g216a67214f2_0_0:notes"/>
           <p:cNvSpPr/>
           <p:nvPr>
             <p:ph idx="2" type="sldImg"/>
@@ -1944,7 +1944,7 @@
       </p:sp>
       <p:sp>
         <p:nvSpPr>
-          <p:cNvPr id="59" name="Google Shape;59;g216a67214f2_0_0:notes"/>
+          <p:cNvPr id="60" name="Google Shape;60;g216a67214f2_0_0:notes"/>
           <p:cNvSpPr txBox="1"/>
           <p:nvPr>
             <p:ph idx="1" type="body"/>
@@ -1994,7 +1994,7 @@
   <p:cSld>
     <p:spTree>
       <p:nvGrpSpPr>
-        <p:cNvPr id="64" name="Shape 64"/>
+        <p:cNvPr id="65" name="Shape 65"/>
         <p:cNvGrpSpPr/>
         <p:nvPr/>
       </p:nvGrpSpPr>
@@ -2008,7 +2008,7 @@
       </p:grpSpPr>
       <p:sp>
         <p:nvSpPr>
-          <p:cNvPr id="65" name="Google Shape;65;g216a67214f2_0_6:notes"/>
+          <p:cNvPr id="66" name="Google Shape;66;g216a67214f2_0_6:notes"/>
           <p:cNvSpPr/>
           <p:nvPr>
             <p:ph idx="2" type="sldImg"/>
@@ -2043,7 +2043,7 @@
       </p:sp>
       <p:sp>
         <p:nvSpPr>
-          <p:cNvPr id="66" name="Google Shape;66;g216a67214f2_0_6:notes"/>
+          <p:cNvPr id="67" name="Google Shape;67;g216a67214f2_0_6:notes"/>
           <p:cNvSpPr txBox="1"/>
           <p:nvPr>
             <p:ph idx="1" type="body"/>
@@ -2093,7 +2093,7 @@
   <p:cSld>
     <p:spTree>
       <p:nvGrpSpPr>
-        <p:cNvPr id="73" name="Shape 73"/>
+        <p:cNvPr id="74" name="Shape 74"/>
         <p:cNvGrpSpPr/>
         <p:nvPr/>
       </p:nvGrpSpPr>
@@ -2107,7 +2107,7 @@
       </p:grpSpPr>
       <p:sp>
         <p:nvSpPr>
-          <p:cNvPr id="74" name="Google Shape;74;g216a67214f2_0_14:notes"/>
+          <p:cNvPr id="75" name="Google Shape;75;g216a67214f2_0_14:notes"/>
           <p:cNvSpPr/>
           <p:nvPr>
             <p:ph idx="2" type="sldImg"/>
@@ -2142,7 +2142,7 @@
       </p:sp>
       <p:sp>
         <p:nvSpPr>
-          <p:cNvPr id="75" name="Google Shape;75;g216a67214f2_0_14:notes"/>
+          <p:cNvPr id="76" name="Google Shape;76;g216a67214f2_0_14:notes"/>
           <p:cNvSpPr txBox="1"/>
           <p:nvPr>
             <p:ph idx="1" type="body"/>
@@ -2192,7 +2192,7 @@
   <p:cSld>
     <p:spTree>
       <p:nvGrpSpPr>
-        <p:cNvPr id="80" name="Shape 80"/>
+        <p:cNvPr id="81" name="Shape 81"/>
         <p:cNvGrpSpPr/>
         <p:nvPr/>
       </p:nvGrpSpPr>
@@ -2206,7 +2206,7 @@
       </p:grpSpPr>
       <p:sp>
         <p:nvSpPr>
-          <p:cNvPr id="81" name="Google Shape;81;g216a67214f2_0_20:notes"/>
+          <p:cNvPr id="82" name="Google Shape;82;g216a67214f2_0_20:notes"/>
           <p:cNvSpPr/>
           <p:nvPr>
             <p:ph idx="2" type="sldImg"/>
@@ -2241,7 +2241,7 @@
       </p:sp>
       <p:sp>
         <p:nvSpPr>
-          <p:cNvPr id="82" name="Google Shape;82;g216a67214f2_0_20:notes"/>
+          <p:cNvPr id="83" name="Google Shape;83;g216a67214f2_0_20:notes"/>
           <p:cNvSpPr txBox="1"/>
           <p:nvPr>
             <p:ph idx="1" type="body"/>
@@ -2291,7 +2291,7 @@
   <p:cSld>
     <p:spTree>
       <p:nvGrpSpPr>
-        <p:cNvPr id="87" name="Shape 87"/>
+        <p:cNvPr id="88" name="Shape 88"/>
         <p:cNvGrpSpPr/>
         <p:nvPr/>
       </p:nvGrpSpPr>
@@ -2305,7 +2305,7 @@
       </p:grpSpPr>
       <p:sp>
         <p:nvSpPr>
-          <p:cNvPr id="88" name="Google Shape;88;g21605a233c5_0_12:notes"/>
+          <p:cNvPr id="89" name="Google Shape;89;g21605a233c5_0_12:notes"/>
           <p:cNvSpPr/>
           <p:nvPr>
             <p:ph idx="2" type="sldImg"/>
@@ -2340,7 +2340,7 @@
       </p:sp>
       <p:sp>
         <p:nvSpPr>
-          <p:cNvPr id="89" name="Google Shape;89;g21605a233c5_0_12:notes"/>
+          <p:cNvPr id="90" name="Google Shape;90;g21605a233c5_0_12:notes"/>
           <p:cNvSpPr txBox="1"/>
           <p:nvPr>
             <p:ph idx="1" type="body"/>
@@ -2702,7 +2702,7 @@
             <a:avLst/>
           </a:prstGeom>
           <a:solidFill>
-            <a:schemeClr val="accent1"/>
+            <a:schemeClr val="accent5"/>
           </a:solidFill>
           <a:ln>
             <a:noFill/>
@@ -2895,7 +2895,7 @@
             <a:avLst/>
           </a:prstGeom>
           <a:solidFill>
-            <a:schemeClr val="accent1"/>
+            <a:schemeClr val="accent5"/>
           </a:solidFill>
           <a:ln>
             <a:noFill/>
@@ -2920,6 +2920,144 @@
               <a:t/>
             </a:r>
             <a:endParaRPr/>
+          </a:p>
+        </p:txBody>
+      </p:sp>
+      <p:sp>
+        <p:nvSpPr>
+          <p:cNvPr id="16" name="Google Shape;16;p3"/>
+          <p:cNvSpPr txBox="1"/>
+          <p:nvPr>
+            <p:ph idx="12" type="sldNum"/>
+          </p:nvPr>
+        </p:nvSpPr>
+        <p:spPr>
+          <a:xfrm>
+            <a:off x="7315209" y="4229101"/>
+            <a:ext cx="1828800" cy="914400"/>
+          </a:xfrm>
+          <a:prstGeom prst="rect">
+            <a:avLst/>
+          </a:prstGeom>
+        </p:spPr>
+        <p:txBody>
+          <a:bodyPr anchorCtr="0" anchor="b" bIns="91425" lIns="91425" spcFirstLastPara="1" rIns="91425" wrap="square" tIns="91425">
+            <a:noAutofit/>
+          </a:bodyPr>
+          <a:lstStyle>
+            <a:lvl1pPr lvl="0" rtl="0" algn="r">
+              <a:buNone/>
+              <a:defRPr b="1" sz="2400">
+                <a:solidFill>
+                  <a:schemeClr val="dk1"/>
+                </a:solidFill>
+              </a:defRPr>
+            </a:lvl1pPr>
+            <a:lvl2pPr lvl="1" rtl="0" algn="r">
+              <a:buNone/>
+              <a:defRPr b="1" sz="2400">
+                <a:solidFill>
+                  <a:schemeClr val="dk1"/>
+                </a:solidFill>
+              </a:defRPr>
+            </a:lvl2pPr>
+            <a:lvl3pPr lvl="2" rtl="0" algn="r">
+              <a:buNone/>
+              <a:defRPr b="1" sz="2400">
+                <a:solidFill>
+                  <a:schemeClr val="dk1"/>
+                </a:solidFill>
+              </a:defRPr>
+            </a:lvl3pPr>
+            <a:lvl4pPr lvl="3" rtl="0" algn="r">
+              <a:buNone/>
+              <a:defRPr b="1" sz="2400">
+                <a:solidFill>
+                  <a:schemeClr val="dk1"/>
+                </a:solidFill>
+              </a:defRPr>
+            </a:lvl4pPr>
+            <a:lvl5pPr lvl="4" rtl="0" algn="r">
+              <a:buNone/>
+              <a:defRPr b="1" sz="2400">
+                <a:solidFill>
+                  <a:schemeClr val="dk1"/>
+                </a:solidFill>
+              </a:defRPr>
+            </a:lvl5pPr>
+            <a:lvl6pPr lvl="5" rtl="0" algn="r">
+              <a:buNone/>
+              <a:defRPr b="1" sz="2400">
+                <a:solidFill>
+                  <a:schemeClr val="dk1"/>
+                </a:solidFill>
+              </a:defRPr>
+            </a:lvl6pPr>
+            <a:lvl7pPr lvl="6" rtl="0" algn="r">
+              <a:buNone/>
+              <a:defRPr b="1" sz="2400">
+                <a:solidFill>
+                  <a:schemeClr val="dk1"/>
+                </a:solidFill>
+              </a:defRPr>
+            </a:lvl7pPr>
+            <a:lvl8pPr lvl="7" rtl="0" algn="r">
+              <a:buNone/>
+              <a:defRPr b="1" sz="2400">
+                <a:solidFill>
+                  <a:schemeClr val="dk1"/>
+                </a:solidFill>
+              </a:defRPr>
+            </a:lvl8pPr>
+            <a:lvl9pPr lvl="8" rtl="0" algn="r">
+              <a:buNone/>
+              <a:defRPr b="1" sz="2400">
+                <a:solidFill>
+                  <a:schemeClr val="dk1"/>
+                </a:solidFill>
+              </a:defRPr>
+            </a:lvl9pPr>
+          </a:lstStyle>
+          <a:p>
+            <a:pPr indent="0" lvl="0" marL="0" rtl="0" algn="r">
+              <a:spcBef>
+                <a:spcPts val="0"/>
+              </a:spcBef>
+              <a:spcAft>
+                <a:spcPts val="0"/>
+              </a:spcAft>
+              <a:buNone/>
+            </a:pPr>
+            <a:fld id="{00000000-1234-1234-1234-123412341234}" type="slidenum">
+              <a:rPr lang="en"/>
+              <a:t>‹#›</a:t>
+            </a:fld>
+            <a:endParaRPr/>
+          </a:p>
+          <a:p>
+            <a:pPr indent="0" lvl="0" marL="0" rtl="0" algn="r">
+              <a:spcBef>
+                <a:spcPts val="0"/>
+              </a:spcBef>
+              <a:spcAft>
+                <a:spcPts val="0"/>
+              </a:spcAft>
+              <a:buNone/>
+            </a:pPr>
+            <a:r>
+              <a:rPr b="0" lang="en" sz="1000" u="sng">
+                <a:solidFill>
+                  <a:schemeClr val="hlink"/>
+                </a:solidFill>
+                <a:hlinkClick r:id="rId2"/>
+              </a:rPr>
+              <a:t>uni1.de/nyt</a:t>
+            </a:r>
+            <a:r>
+              <a:rPr b="0" lang="en" sz="1000"/>
+              <a:t> </a:t>
+            </a:r>
+            <a:endParaRPr b="0" sz="1000"/>
           </a:p>
         </p:txBody>
       </p:sp>
@@ -2936,7 +3074,7 @@
   <p:cSld name="TITLE_AND_BODY">
     <p:spTree>
       <p:nvGrpSpPr>
-        <p:cNvPr id="16" name="Shape 16"/>
+        <p:cNvPr id="17" name="Shape 17"/>
         <p:cNvGrpSpPr/>
         <p:nvPr/>
       </p:nvGrpSpPr>
@@ -2950,7 +3088,7 @@
       </p:grpSpPr>
       <p:sp>
         <p:nvSpPr>
-          <p:cNvPr id="17" name="Google Shape;17;p4"/>
+          <p:cNvPr id="18" name="Google Shape;18;p4"/>
           <p:cNvSpPr txBox="1"/>
           <p:nvPr>
             <p:ph type="title"/>
@@ -3075,7 +3213,7 @@
       </p:sp>
       <p:sp>
         <p:nvSpPr>
-          <p:cNvPr id="18" name="Google Shape;18;p4"/>
+          <p:cNvPr id="19" name="Google Shape;19;p4"/>
           <p:cNvSpPr txBox="1"/>
           <p:nvPr>
             <p:ph idx="1" type="body"/>
@@ -3200,152 +3338,6 @@
       </p:sp>
       <p:sp>
         <p:nvSpPr>
-          <p:cNvPr id="19" name="Google Shape;19;p4"/>
-          <p:cNvSpPr txBox="1"/>
-          <p:nvPr>
-            <p:ph idx="12" type="sldNum"/>
-          </p:nvPr>
-        </p:nvSpPr>
-        <p:spPr>
-          <a:xfrm>
-            <a:off x="7315202" y="4416550"/>
-            <a:ext cx="1828800" cy="731400"/>
-          </a:xfrm>
-          <a:prstGeom prst="rect">
-            <a:avLst/>
-          </a:prstGeom>
-        </p:spPr>
-        <p:txBody>
-          <a:bodyPr anchorCtr="0" anchor="b" bIns="91425" lIns="91425" spcFirstLastPara="1" rIns="91425" wrap="square" tIns="91425">
-            <a:noAutofit/>
-          </a:bodyPr>
-          <a:lstStyle>
-            <a:lvl1pPr lvl="0" rtl="0">
-              <a:buNone/>
-              <a:defRPr>
-                <a:solidFill>
-                  <a:schemeClr val="dk1"/>
-                </a:solidFill>
-              </a:defRPr>
-            </a:lvl1pPr>
-            <a:lvl2pPr lvl="1" rtl="0">
-              <a:buNone/>
-              <a:defRPr>
-                <a:solidFill>
-                  <a:schemeClr val="dk1"/>
-                </a:solidFill>
-              </a:defRPr>
-            </a:lvl2pPr>
-            <a:lvl3pPr lvl="2" rtl="0">
-              <a:buNone/>
-              <a:defRPr>
-                <a:solidFill>
-                  <a:schemeClr val="dk1"/>
-                </a:solidFill>
-              </a:defRPr>
-            </a:lvl3pPr>
-            <a:lvl4pPr lvl="3" rtl="0">
-              <a:buNone/>
-              <a:defRPr>
-                <a:solidFill>
-                  <a:schemeClr val="dk1"/>
-                </a:solidFill>
-              </a:defRPr>
-            </a:lvl4pPr>
-            <a:lvl5pPr lvl="4" rtl="0">
-              <a:buNone/>
-              <a:defRPr>
-                <a:solidFill>
-                  <a:schemeClr val="dk1"/>
-                </a:solidFill>
-              </a:defRPr>
-            </a:lvl5pPr>
-            <a:lvl6pPr lvl="5" rtl="0">
-              <a:buNone/>
-              <a:defRPr>
-                <a:solidFill>
-                  <a:schemeClr val="dk1"/>
-                </a:solidFill>
-              </a:defRPr>
-            </a:lvl6pPr>
-            <a:lvl7pPr lvl="6" rtl="0">
-              <a:buNone/>
-              <a:defRPr>
-                <a:solidFill>
-                  <a:schemeClr val="dk1"/>
-                </a:solidFill>
-              </a:defRPr>
-            </a:lvl7pPr>
-            <a:lvl8pPr lvl="7" rtl="0">
-              <a:buNone/>
-              <a:defRPr>
-                <a:solidFill>
-                  <a:schemeClr val="dk1"/>
-                </a:solidFill>
-              </a:defRPr>
-            </a:lvl8pPr>
-            <a:lvl9pPr lvl="8" rtl="0">
-              <a:buNone/>
-              <a:defRPr>
-                <a:solidFill>
-                  <a:schemeClr val="dk1"/>
-                </a:solidFill>
-              </a:defRPr>
-            </a:lvl9pPr>
-          </a:lstStyle>
-          <a:p>
-            <a:pPr indent="0" lvl="0" marL="0" rtl="0" algn="r">
-              <a:spcBef>
-                <a:spcPts val="0"/>
-              </a:spcBef>
-              <a:spcAft>
-                <a:spcPts val="0"/>
-              </a:spcAft>
-              <a:buNone/>
-            </a:pPr>
-            <a:fld id="{00000000-1234-1234-1234-123412341234}" type="slidenum">
-              <a:rPr lang="en"/>
-              <a:t>‹#›</a:t>
-            </a:fld>
-            <a:endParaRPr/>
-          </a:p>
-          <a:p>
-            <a:pPr indent="0" lvl="0" marL="0" rtl="0" algn="r">
-              <a:spcBef>
-                <a:spcPts val="0"/>
-              </a:spcBef>
-              <a:spcAft>
-                <a:spcPts val="0"/>
-              </a:spcAft>
-              <a:buNone/>
-            </a:pPr>
-            <a:r>
-              <a:rPr b="0" lang="en" sz="900" u="sng">
-                <a:solidFill>
-                  <a:schemeClr val="hlink"/>
-                </a:solidFill>
-                <a:hlinkClick r:id="rId2"/>
-              </a:rPr>
-              <a:t>https://profriehle.com</a:t>
-            </a:r>
-            <a:r>
-              <a:rPr b="0" lang="en" sz="900">
-                <a:solidFill>
-                  <a:schemeClr val="dk2"/>
-                </a:solidFill>
-              </a:rPr>
-              <a:t> </a:t>
-            </a:r>
-            <a:endParaRPr b="0" sz="900">
-              <a:solidFill>
-                <a:schemeClr val="dk2"/>
-              </a:solidFill>
-            </a:endParaRPr>
-          </a:p>
-        </p:txBody>
-      </p:sp>
-      <p:sp>
-        <p:nvSpPr>
           <p:cNvPr id="20" name="Google Shape;20;p4"/>
           <p:cNvSpPr/>
           <p:nvPr/>
@@ -3359,7 +3351,7 @@
             <a:avLst/>
           </a:prstGeom>
           <a:solidFill>
-            <a:schemeClr val="accent1"/>
+            <a:schemeClr val="accent5"/>
           </a:solidFill>
           <a:ln>
             <a:noFill/>
@@ -3384,6 +3376,144 @@
               <a:t/>
             </a:r>
             <a:endParaRPr/>
+          </a:p>
+        </p:txBody>
+      </p:sp>
+      <p:sp>
+        <p:nvSpPr>
+          <p:cNvPr id="21" name="Google Shape;21;p4"/>
+          <p:cNvSpPr txBox="1"/>
+          <p:nvPr>
+            <p:ph idx="12" type="sldNum"/>
+          </p:nvPr>
+        </p:nvSpPr>
+        <p:spPr>
+          <a:xfrm>
+            <a:off x="7315209" y="4229101"/>
+            <a:ext cx="1828800" cy="914400"/>
+          </a:xfrm>
+          <a:prstGeom prst="rect">
+            <a:avLst/>
+          </a:prstGeom>
+        </p:spPr>
+        <p:txBody>
+          <a:bodyPr anchorCtr="0" anchor="b" bIns="91425" lIns="91425" spcFirstLastPara="1" rIns="91425" wrap="square" tIns="91425">
+            <a:noAutofit/>
+          </a:bodyPr>
+          <a:lstStyle>
+            <a:lvl1pPr lvl="0" rtl="0" algn="r">
+              <a:buNone/>
+              <a:defRPr b="1" sz="2400">
+                <a:solidFill>
+                  <a:schemeClr val="dk1"/>
+                </a:solidFill>
+              </a:defRPr>
+            </a:lvl1pPr>
+            <a:lvl2pPr lvl="1" rtl="0" algn="r">
+              <a:buNone/>
+              <a:defRPr b="1" sz="2400">
+                <a:solidFill>
+                  <a:schemeClr val="dk1"/>
+                </a:solidFill>
+              </a:defRPr>
+            </a:lvl2pPr>
+            <a:lvl3pPr lvl="2" rtl="0" algn="r">
+              <a:buNone/>
+              <a:defRPr b="1" sz="2400">
+                <a:solidFill>
+                  <a:schemeClr val="dk1"/>
+                </a:solidFill>
+              </a:defRPr>
+            </a:lvl3pPr>
+            <a:lvl4pPr lvl="3" rtl="0" algn="r">
+              <a:buNone/>
+              <a:defRPr b="1" sz="2400">
+                <a:solidFill>
+                  <a:schemeClr val="dk1"/>
+                </a:solidFill>
+              </a:defRPr>
+            </a:lvl4pPr>
+            <a:lvl5pPr lvl="4" rtl="0" algn="r">
+              <a:buNone/>
+              <a:defRPr b="1" sz="2400">
+                <a:solidFill>
+                  <a:schemeClr val="dk1"/>
+                </a:solidFill>
+              </a:defRPr>
+            </a:lvl5pPr>
+            <a:lvl6pPr lvl="5" rtl="0" algn="r">
+              <a:buNone/>
+              <a:defRPr b="1" sz="2400">
+                <a:solidFill>
+                  <a:schemeClr val="dk1"/>
+                </a:solidFill>
+              </a:defRPr>
+            </a:lvl6pPr>
+            <a:lvl7pPr lvl="6" rtl="0" algn="r">
+              <a:buNone/>
+              <a:defRPr b="1" sz="2400">
+                <a:solidFill>
+                  <a:schemeClr val="dk1"/>
+                </a:solidFill>
+              </a:defRPr>
+            </a:lvl7pPr>
+            <a:lvl8pPr lvl="7" rtl="0" algn="r">
+              <a:buNone/>
+              <a:defRPr b="1" sz="2400">
+                <a:solidFill>
+                  <a:schemeClr val="dk1"/>
+                </a:solidFill>
+              </a:defRPr>
+            </a:lvl8pPr>
+            <a:lvl9pPr lvl="8" rtl="0" algn="r">
+              <a:buNone/>
+              <a:defRPr b="1" sz="2400">
+                <a:solidFill>
+                  <a:schemeClr val="dk1"/>
+                </a:solidFill>
+              </a:defRPr>
+            </a:lvl9pPr>
+          </a:lstStyle>
+          <a:p>
+            <a:pPr indent="0" lvl="0" marL="0" rtl="0" algn="r">
+              <a:spcBef>
+                <a:spcPts val="0"/>
+              </a:spcBef>
+              <a:spcAft>
+                <a:spcPts val="0"/>
+              </a:spcAft>
+              <a:buNone/>
+            </a:pPr>
+            <a:fld id="{00000000-1234-1234-1234-123412341234}" type="slidenum">
+              <a:rPr lang="en"/>
+              <a:t>‹#›</a:t>
+            </a:fld>
+            <a:endParaRPr/>
+          </a:p>
+          <a:p>
+            <a:pPr indent="0" lvl="0" marL="0" rtl="0" algn="r">
+              <a:spcBef>
+                <a:spcPts val="0"/>
+              </a:spcBef>
+              <a:spcAft>
+                <a:spcPts val="0"/>
+              </a:spcAft>
+              <a:buNone/>
+            </a:pPr>
+            <a:r>
+              <a:rPr b="0" lang="en" sz="1000" u="sng">
+                <a:solidFill>
+                  <a:schemeClr val="hlink"/>
+                </a:solidFill>
+                <a:hlinkClick r:id="rId2"/>
+              </a:rPr>
+              <a:t>uni1.de/nyt</a:t>
+            </a:r>
+            <a:r>
+              <a:rPr b="0" lang="en" sz="1000"/>
+              <a:t> </a:t>
+            </a:r>
+            <a:endParaRPr b="0" sz="1000"/>
           </a:p>
         </p:txBody>
       </p:sp>
@@ -3400,7 +3530,7 @@
   <p:cSld name="TITLE_AND_TWO_COLUMNS">
     <p:spTree>
       <p:nvGrpSpPr>
-        <p:cNvPr id="21" name="Shape 21"/>
+        <p:cNvPr id="22" name="Shape 22"/>
         <p:cNvGrpSpPr/>
         <p:nvPr/>
       </p:nvGrpSpPr>
@@ -3414,7 +3544,7 @@
       </p:grpSpPr>
       <p:sp>
         <p:nvSpPr>
-          <p:cNvPr id="22" name="Google Shape;22;p5"/>
+          <p:cNvPr id="23" name="Google Shape;23;p5"/>
           <p:cNvSpPr txBox="1"/>
           <p:nvPr>
             <p:ph type="title"/>
@@ -3542,7 +3672,7 @@
       </p:sp>
       <p:sp>
         <p:nvSpPr>
-          <p:cNvPr id="23" name="Google Shape;23;p5"/>
+          <p:cNvPr id="24" name="Google Shape;24;p5"/>
           <p:cNvSpPr txBox="1"/>
           <p:nvPr>
             <p:ph idx="1" type="body"/>
@@ -3667,7 +3797,7 @@
       </p:sp>
       <p:sp>
         <p:nvSpPr>
-          <p:cNvPr id="24" name="Google Shape;24;p5"/>
+          <p:cNvPr id="25" name="Google Shape;25;p5"/>
           <p:cNvSpPr txBox="1"/>
           <p:nvPr>
             <p:ph idx="2" type="body"/>
@@ -3792,152 +3922,6 @@
       </p:sp>
       <p:sp>
         <p:nvSpPr>
-          <p:cNvPr id="25" name="Google Shape;25;p5"/>
-          <p:cNvSpPr txBox="1"/>
-          <p:nvPr>
-            <p:ph idx="12" type="sldNum"/>
-          </p:nvPr>
-        </p:nvSpPr>
-        <p:spPr>
-          <a:xfrm>
-            <a:off x="7315202" y="4416550"/>
-            <a:ext cx="1828800" cy="731400"/>
-          </a:xfrm>
-          <a:prstGeom prst="rect">
-            <a:avLst/>
-          </a:prstGeom>
-        </p:spPr>
-        <p:txBody>
-          <a:bodyPr anchorCtr="0" anchor="b" bIns="91425" lIns="91425" spcFirstLastPara="1" rIns="91425" wrap="square" tIns="91425">
-            <a:noAutofit/>
-          </a:bodyPr>
-          <a:lstStyle>
-            <a:lvl1pPr lvl="0">
-              <a:buNone/>
-              <a:defRPr>
-                <a:solidFill>
-                  <a:schemeClr val="dk1"/>
-                </a:solidFill>
-              </a:defRPr>
-            </a:lvl1pPr>
-            <a:lvl2pPr lvl="1">
-              <a:buNone/>
-              <a:defRPr>
-                <a:solidFill>
-                  <a:schemeClr val="dk1"/>
-                </a:solidFill>
-              </a:defRPr>
-            </a:lvl2pPr>
-            <a:lvl3pPr lvl="2">
-              <a:buNone/>
-              <a:defRPr>
-                <a:solidFill>
-                  <a:schemeClr val="dk1"/>
-                </a:solidFill>
-              </a:defRPr>
-            </a:lvl3pPr>
-            <a:lvl4pPr lvl="3">
-              <a:buNone/>
-              <a:defRPr>
-                <a:solidFill>
-                  <a:schemeClr val="dk1"/>
-                </a:solidFill>
-              </a:defRPr>
-            </a:lvl4pPr>
-            <a:lvl5pPr lvl="4">
-              <a:buNone/>
-              <a:defRPr>
-                <a:solidFill>
-                  <a:schemeClr val="dk1"/>
-                </a:solidFill>
-              </a:defRPr>
-            </a:lvl5pPr>
-            <a:lvl6pPr lvl="5">
-              <a:buNone/>
-              <a:defRPr>
-                <a:solidFill>
-                  <a:schemeClr val="dk1"/>
-                </a:solidFill>
-              </a:defRPr>
-            </a:lvl6pPr>
-            <a:lvl7pPr lvl="6">
-              <a:buNone/>
-              <a:defRPr>
-                <a:solidFill>
-                  <a:schemeClr val="dk1"/>
-                </a:solidFill>
-              </a:defRPr>
-            </a:lvl7pPr>
-            <a:lvl8pPr lvl="7">
-              <a:buNone/>
-              <a:defRPr>
-                <a:solidFill>
-                  <a:schemeClr val="dk1"/>
-                </a:solidFill>
-              </a:defRPr>
-            </a:lvl8pPr>
-            <a:lvl9pPr lvl="8">
-              <a:buNone/>
-              <a:defRPr>
-                <a:solidFill>
-                  <a:schemeClr val="dk1"/>
-                </a:solidFill>
-              </a:defRPr>
-            </a:lvl9pPr>
-          </a:lstStyle>
-          <a:p>
-            <a:pPr indent="0" lvl="0" marL="0" rtl="0" algn="r">
-              <a:spcBef>
-                <a:spcPts val="0"/>
-              </a:spcBef>
-              <a:spcAft>
-                <a:spcPts val="0"/>
-              </a:spcAft>
-              <a:buNone/>
-            </a:pPr>
-            <a:fld id="{00000000-1234-1234-1234-123412341234}" type="slidenum">
-              <a:rPr lang="en"/>
-              <a:t>‹#›</a:t>
-            </a:fld>
-            <a:endParaRPr/>
-          </a:p>
-          <a:p>
-            <a:pPr indent="0" lvl="0" marL="0" rtl="0" algn="r">
-              <a:spcBef>
-                <a:spcPts val="0"/>
-              </a:spcBef>
-              <a:spcAft>
-                <a:spcPts val="0"/>
-              </a:spcAft>
-              <a:buNone/>
-            </a:pPr>
-            <a:r>
-              <a:rPr b="0" lang="en" sz="900" u="sng">
-                <a:solidFill>
-                  <a:schemeClr val="hlink"/>
-                </a:solidFill>
-                <a:hlinkClick r:id="rId2"/>
-              </a:rPr>
-              <a:t>https://profriehle.com</a:t>
-            </a:r>
-            <a:r>
-              <a:rPr b="0" lang="en" sz="900">
-                <a:solidFill>
-                  <a:schemeClr val="dk2"/>
-                </a:solidFill>
-              </a:rPr>
-              <a:t> </a:t>
-            </a:r>
-            <a:endParaRPr>
-              <a:solidFill>
-                <a:schemeClr val="dk2"/>
-              </a:solidFill>
-            </a:endParaRPr>
-          </a:p>
-        </p:txBody>
-      </p:sp>
-      <p:sp>
-        <p:nvSpPr>
           <p:cNvPr id="26" name="Google Shape;26;p5"/>
           <p:cNvSpPr/>
           <p:nvPr/>
@@ -3951,7 +3935,7 @@
             <a:avLst/>
           </a:prstGeom>
           <a:solidFill>
-            <a:schemeClr val="accent1"/>
+            <a:schemeClr val="accent5"/>
           </a:solidFill>
           <a:ln>
             <a:noFill/>
@@ -3976,6 +3960,144 @@
               <a:t/>
             </a:r>
             <a:endParaRPr/>
+          </a:p>
+        </p:txBody>
+      </p:sp>
+      <p:sp>
+        <p:nvSpPr>
+          <p:cNvPr id="27" name="Google Shape;27;p5"/>
+          <p:cNvSpPr txBox="1"/>
+          <p:nvPr>
+            <p:ph idx="12" type="sldNum"/>
+          </p:nvPr>
+        </p:nvSpPr>
+        <p:spPr>
+          <a:xfrm>
+            <a:off x="7315209" y="4229101"/>
+            <a:ext cx="1828800" cy="914400"/>
+          </a:xfrm>
+          <a:prstGeom prst="rect">
+            <a:avLst/>
+          </a:prstGeom>
+        </p:spPr>
+        <p:txBody>
+          <a:bodyPr anchorCtr="0" anchor="b" bIns="91425" lIns="91425" spcFirstLastPara="1" rIns="91425" wrap="square" tIns="91425">
+            <a:noAutofit/>
+          </a:bodyPr>
+          <a:lstStyle>
+            <a:lvl1pPr lvl="0" rtl="0" algn="r">
+              <a:buNone/>
+              <a:defRPr b="1" sz="2400">
+                <a:solidFill>
+                  <a:schemeClr val="dk1"/>
+                </a:solidFill>
+              </a:defRPr>
+            </a:lvl1pPr>
+            <a:lvl2pPr lvl="1" rtl="0" algn="r">
+              <a:buNone/>
+              <a:defRPr b="1" sz="2400">
+                <a:solidFill>
+                  <a:schemeClr val="dk1"/>
+                </a:solidFill>
+              </a:defRPr>
+            </a:lvl2pPr>
+            <a:lvl3pPr lvl="2" rtl="0" algn="r">
+              <a:buNone/>
+              <a:defRPr b="1" sz="2400">
+                <a:solidFill>
+                  <a:schemeClr val="dk1"/>
+                </a:solidFill>
+              </a:defRPr>
+            </a:lvl3pPr>
+            <a:lvl4pPr lvl="3" rtl="0" algn="r">
+              <a:buNone/>
+              <a:defRPr b="1" sz="2400">
+                <a:solidFill>
+                  <a:schemeClr val="dk1"/>
+                </a:solidFill>
+              </a:defRPr>
+            </a:lvl4pPr>
+            <a:lvl5pPr lvl="4" rtl="0" algn="r">
+              <a:buNone/>
+              <a:defRPr b="1" sz="2400">
+                <a:solidFill>
+                  <a:schemeClr val="dk1"/>
+                </a:solidFill>
+              </a:defRPr>
+            </a:lvl5pPr>
+            <a:lvl6pPr lvl="5" rtl="0" algn="r">
+              <a:buNone/>
+              <a:defRPr b="1" sz="2400">
+                <a:solidFill>
+                  <a:schemeClr val="dk1"/>
+                </a:solidFill>
+              </a:defRPr>
+            </a:lvl6pPr>
+            <a:lvl7pPr lvl="6" rtl="0" algn="r">
+              <a:buNone/>
+              <a:defRPr b="1" sz="2400">
+                <a:solidFill>
+                  <a:schemeClr val="dk1"/>
+                </a:solidFill>
+              </a:defRPr>
+            </a:lvl7pPr>
+            <a:lvl8pPr lvl="7" rtl="0" algn="r">
+              <a:buNone/>
+              <a:defRPr b="1" sz="2400">
+                <a:solidFill>
+                  <a:schemeClr val="dk1"/>
+                </a:solidFill>
+              </a:defRPr>
+            </a:lvl8pPr>
+            <a:lvl9pPr lvl="8" rtl="0" algn="r">
+              <a:buNone/>
+              <a:defRPr b="1" sz="2400">
+                <a:solidFill>
+                  <a:schemeClr val="dk1"/>
+                </a:solidFill>
+              </a:defRPr>
+            </a:lvl9pPr>
+          </a:lstStyle>
+          <a:p>
+            <a:pPr indent="0" lvl="0" marL="0" rtl="0" algn="r">
+              <a:spcBef>
+                <a:spcPts val="0"/>
+              </a:spcBef>
+              <a:spcAft>
+                <a:spcPts val="0"/>
+              </a:spcAft>
+              <a:buNone/>
+            </a:pPr>
+            <a:fld id="{00000000-1234-1234-1234-123412341234}" type="slidenum">
+              <a:rPr lang="en"/>
+              <a:t>‹#›</a:t>
+            </a:fld>
+            <a:endParaRPr/>
+          </a:p>
+          <a:p>
+            <a:pPr indent="0" lvl="0" marL="0" rtl="0" algn="r">
+              <a:spcBef>
+                <a:spcPts val="0"/>
+              </a:spcBef>
+              <a:spcAft>
+                <a:spcPts val="0"/>
+              </a:spcAft>
+              <a:buNone/>
+            </a:pPr>
+            <a:r>
+              <a:rPr b="0" lang="en" sz="1000" u="sng">
+                <a:solidFill>
+                  <a:schemeClr val="hlink"/>
+                </a:solidFill>
+                <a:hlinkClick r:id="rId2"/>
+              </a:rPr>
+              <a:t>uni1.de/nyt</a:t>
+            </a:r>
+            <a:r>
+              <a:rPr b="0" lang="en" sz="1000"/>
+              <a:t> </a:t>
+            </a:r>
+            <a:endParaRPr b="0" sz="1000"/>
           </a:p>
         </p:txBody>
       </p:sp>
@@ -3992,7 +4114,7 @@
   <p:cSld name="TITLE_ONLY">
     <p:spTree>
       <p:nvGrpSpPr>
-        <p:cNvPr id="27" name="Shape 27"/>
+        <p:cNvPr id="28" name="Shape 28"/>
         <p:cNvGrpSpPr/>
         <p:nvPr/>
       </p:nvGrpSpPr>
@@ -4006,7 +4128,7 @@
       </p:grpSpPr>
       <p:sp>
         <p:nvSpPr>
-          <p:cNvPr id="28" name="Google Shape;28;p6"/>
+          <p:cNvPr id="29" name="Google Shape;29;p6"/>
           <p:cNvSpPr txBox="1"/>
           <p:nvPr>
             <p:ph type="title"/>
@@ -4131,152 +4253,6 @@
       </p:sp>
       <p:sp>
         <p:nvSpPr>
-          <p:cNvPr id="29" name="Google Shape;29;p6"/>
-          <p:cNvSpPr txBox="1"/>
-          <p:nvPr>
-            <p:ph idx="12" type="sldNum"/>
-          </p:nvPr>
-        </p:nvSpPr>
-        <p:spPr>
-          <a:xfrm>
-            <a:off x="7315202" y="4416550"/>
-            <a:ext cx="1828800" cy="731400"/>
-          </a:xfrm>
-          <a:prstGeom prst="rect">
-            <a:avLst/>
-          </a:prstGeom>
-        </p:spPr>
-        <p:txBody>
-          <a:bodyPr anchorCtr="0" anchor="b" bIns="91425" lIns="91425" spcFirstLastPara="1" rIns="91425" wrap="square" tIns="91425">
-            <a:noAutofit/>
-          </a:bodyPr>
-          <a:lstStyle>
-            <a:lvl1pPr lvl="0">
-              <a:buNone/>
-              <a:defRPr>
-                <a:solidFill>
-                  <a:schemeClr val="dk1"/>
-                </a:solidFill>
-              </a:defRPr>
-            </a:lvl1pPr>
-            <a:lvl2pPr lvl="1">
-              <a:buNone/>
-              <a:defRPr>
-                <a:solidFill>
-                  <a:schemeClr val="dk1"/>
-                </a:solidFill>
-              </a:defRPr>
-            </a:lvl2pPr>
-            <a:lvl3pPr lvl="2">
-              <a:buNone/>
-              <a:defRPr>
-                <a:solidFill>
-                  <a:schemeClr val="dk1"/>
-                </a:solidFill>
-              </a:defRPr>
-            </a:lvl3pPr>
-            <a:lvl4pPr lvl="3">
-              <a:buNone/>
-              <a:defRPr>
-                <a:solidFill>
-                  <a:schemeClr val="dk1"/>
-                </a:solidFill>
-              </a:defRPr>
-            </a:lvl4pPr>
-            <a:lvl5pPr lvl="4">
-              <a:buNone/>
-              <a:defRPr>
-                <a:solidFill>
-                  <a:schemeClr val="dk1"/>
-                </a:solidFill>
-              </a:defRPr>
-            </a:lvl5pPr>
-            <a:lvl6pPr lvl="5">
-              <a:buNone/>
-              <a:defRPr>
-                <a:solidFill>
-                  <a:schemeClr val="dk1"/>
-                </a:solidFill>
-              </a:defRPr>
-            </a:lvl6pPr>
-            <a:lvl7pPr lvl="6">
-              <a:buNone/>
-              <a:defRPr>
-                <a:solidFill>
-                  <a:schemeClr val="dk1"/>
-                </a:solidFill>
-              </a:defRPr>
-            </a:lvl7pPr>
-            <a:lvl8pPr lvl="7">
-              <a:buNone/>
-              <a:defRPr>
-                <a:solidFill>
-                  <a:schemeClr val="dk1"/>
-                </a:solidFill>
-              </a:defRPr>
-            </a:lvl8pPr>
-            <a:lvl9pPr lvl="8">
-              <a:buNone/>
-              <a:defRPr>
-                <a:solidFill>
-                  <a:schemeClr val="dk1"/>
-                </a:solidFill>
-              </a:defRPr>
-            </a:lvl9pPr>
-          </a:lstStyle>
-          <a:p>
-            <a:pPr indent="0" lvl="0" marL="0" rtl="0" algn="r">
-              <a:spcBef>
-                <a:spcPts val="0"/>
-              </a:spcBef>
-              <a:spcAft>
-                <a:spcPts val="0"/>
-              </a:spcAft>
-              <a:buNone/>
-            </a:pPr>
-            <a:fld id="{00000000-1234-1234-1234-123412341234}" type="slidenum">
-              <a:rPr lang="en"/>
-              <a:t>‹#›</a:t>
-            </a:fld>
-            <a:endParaRPr/>
-          </a:p>
-          <a:p>
-            <a:pPr indent="0" lvl="0" marL="0" rtl="0" algn="r">
-              <a:spcBef>
-                <a:spcPts val="0"/>
-              </a:spcBef>
-              <a:spcAft>
-                <a:spcPts val="0"/>
-              </a:spcAft>
-              <a:buNone/>
-            </a:pPr>
-            <a:r>
-              <a:rPr b="0" lang="en" sz="900" u="sng">
-                <a:solidFill>
-                  <a:schemeClr val="hlink"/>
-                </a:solidFill>
-                <a:hlinkClick r:id="rId2"/>
-              </a:rPr>
-              <a:t>https://profriehle.com</a:t>
-            </a:r>
-            <a:r>
-              <a:rPr b="0" lang="en" sz="900">
-                <a:solidFill>
-                  <a:schemeClr val="dk2"/>
-                </a:solidFill>
-              </a:rPr>
-              <a:t> </a:t>
-            </a:r>
-            <a:endParaRPr>
-              <a:solidFill>
-                <a:schemeClr val="dk2"/>
-              </a:solidFill>
-            </a:endParaRPr>
-          </a:p>
-        </p:txBody>
-      </p:sp>
-      <p:sp>
-        <p:nvSpPr>
           <p:cNvPr id="30" name="Google Shape;30;p6"/>
           <p:cNvSpPr/>
           <p:nvPr/>
@@ -4290,7 +4266,7 @@
             <a:avLst/>
           </a:prstGeom>
           <a:solidFill>
-            <a:schemeClr val="accent1"/>
+            <a:schemeClr val="accent5"/>
           </a:solidFill>
           <a:ln>
             <a:noFill/>
@@ -4315,6 +4291,144 @@
               <a:t/>
             </a:r>
             <a:endParaRPr/>
+          </a:p>
+        </p:txBody>
+      </p:sp>
+      <p:sp>
+        <p:nvSpPr>
+          <p:cNvPr id="31" name="Google Shape;31;p6"/>
+          <p:cNvSpPr txBox="1"/>
+          <p:nvPr>
+            <p:ph idx="12" type="sldNum"/>
+          </p:nvPr>
+        </p:nvSpPr>
+        <p:spPr>
+          <a:xfrm>
+            <a:off x="7315209" y="4229101"/>
+            <a:ext cx="1828800" cy="914400"/>
+          </a:xfrm>
+          <a:prstGeom prst="rect">
+            <a:avLst/>
+          </a:prstGeom>
+        </p:spPr>
+        <p:txBody>
+          <a:bodyPr anchorCtr="0" anchor="b" bIns="91425" lIns="91425" spcFirstLastPara="1" rIns="91425" wrap="square" tIns="91425">
+            <a:noAutofit/>
+          </a:bodyPr>
+          <a:lstStyle>
+            <a:lvl1pPr lvl="0" rtl="0" algn="r">
+              <a:buNone/>
+              <a:defRPr b="1" sz="2400">
+                <a:solidFill>
+                  <a:schemeClr val="dk1"/>
+                </a:solidFill>
+              </a:defRPr>
+            </a:lvl1pPr>
+            <a:lvl2pPr lvl="1" rtl="0" algn="r">
+              <a:buNone/>
+              <a:defRPr b="1" sz="2400">
+                <a:solidFill>
+                  <a:schemeClr val="dk1"/>
+                </a:solidFill>
+              </a:defRPr>
+            </a:lvl2pPr>
+            <a:lvl3pPr lvl="2" rtl="0" algn="r">
+              <a:buNone/>
+              <a:defRPr b="1" sz="2400">
+                <a:solidFill>
+                  <a:schemeClr val="dk1"/>
+                </a:solidFill>
+              </a:defRPr>
+            </a:lvl3pPr>
+            <a:lvl4pPr lvl="3" rtl="0" algn="r">
+              <a:buNone/>
+              <a:defRPr b="1" sz="2400">
+                <a:solidFill>
+                  <a:schemeClr val="dk1"/>
+                </a:solidFill>
+              </a:defRPr>
+            </a:lvl4pPr>
+            <a:lvl5pPr lvl="4" rtl="0" algn="r">
+              <a:buNone/>
+              <a:defRPr b="1" sz="2400">
+                <a:solidFill>
+                  <a:schemeClr val="dk1"/>
+                </a:solidFill>
+              </a:defRPr>
+            </a:lvl5pPr>
+            <a:lvl6pPr lvl="5" rtl="0" algn="r">
+              <a:buNone/>
+              <a:defRPr b="1" sz="2400">
+                <a:solidFill>
+                  <a:schemeClr val="dk1"/>
+                </a:solidFill>
+              </a:defRPr>
+            </a:lvl6pPr>
+            <a:lvl7pPr lvl="6" rtl="0" algn="r">
+              <a:buNone/>
+              <a:defRPr b="1" sz="2400">
+                <a:solidFill>
+                  <a:schemeClr val="dk1"/>
+                </a:solidFill>
+              </a:defRPr>
+            </a:lvl7pPr>
+            <a:lvl8pPr lvl="7" rtl="0" algn="r">
+              <a:buNone/>
+              <a:defRPr b="1" sz="2400">
+                <a:solidFill>
+                  <a:schemeClr val="dk1"/>
+                </a:solidFill>
+              </a:defRPr>
+            </a:lvl8pPr>
+            <a:lvl9pPr lvl="8" rtl="0" algn="r">
+              <a:buNone/>
+              <a:defRPr b="1" sz="2400">
+                <a:solidFill>
+                  <a:schemeClr val="dk1"/>
+                </a:solidFill>
+              </a:defRPr>
+            </a:lvl9pPr>
+          </a:lstStyle>
+          <a:p>
+            <a:pPr indent="0" lvl="0" marL="0" rtl="0" algn="r">
+              <a:spcBef>
+                <a:spcPts val="0"/>
+              </a:spcBef>
+              <a:spcAft>
+                <a:spcPts val="0"/>
+              </a:spcAft>
+              <a:buNone/>
+            </a:pPr>
+            <a:fld id="{00000000-1234-1234-1234-123412341234}" type="slidenum">
+              <a:rPr lang="en"/>
+              <a:t>‹#›</a:t>
+            </a:fld>
+            <a:endParaRPr/>
+          </a:p>
+          <a:p>
+            <a:pPr indent="0" lvl="0" marL="0" rtl="0" algn="r">
+              <a:spcBef>
+                <a:spcPts val="0"/>
+              </a:spcBef>
+              <a:spcAft>
+                <a:spcPts val="0"/>
+              </a:spcAft>
+              <a:buNone/>
+            </a:pPr>
+            <a:r>
+              <a:rPr b="0" lang="en" sz="1000" u="sng">
+                <a:solidFill>
+                  <a:schemeClr val="hlink"/>
+                </a:solidFill>
+                <a:hlinkClick r:id="rId2"/>
+              </a:rPr>
+              <a:t>uni1.de/nyt</a:t>
+            </a:r>
+            <a:r>
+              <a:rPr b="0" lang="en" sz="1000"/>
+              <a:t> </a:t>
+            </a:r>
+            <a:endParaRPr b="0" sz="1000"/>
           </a:p>
         </p:txBody>
       </p:sp>
@@ -4331,7 +4445,7 @@
   <p:cSld name="BLANK">
     <p:spTree>
       <p:nvGrpSpPr>
-        <p:cNvPr id="31" name="Shape 31"/>
+        <p:cNvPr id="32" name="Shape 32"/>
         <p:cNvGrpSpPr/>
         <p:nvPr/>
       </p:nvGrpSpPr>
@@ -4796,8 +4910,8 @@
         </p:nvSpPr>
         <p:spPr>
           <a:xfrm>
-            <a:off x="7315202" y="4416550"/>
-            <a:ext cx="1828800" cy="731400"/>
+            <a:off x="7315209" y="4229101"/>
+            <a:ext cx="1828800" cy="914400"/>
           </a:xfrm>
           <a:prstGeom prst="rect">
             <a:avLst/>
@@ -4816,7 +4930,7 @@
               <a:buNone/>
               <a:defRPr b="1" sz="2400">
                 <a:solidFill>
-                  <a:schemeClr val="dk2"/>
+                  <a:schemeClr val="dk1"/>
                 </a:solidFill>
               </a:defRPr>
             </a:lvl1pPr>
@@ -4824,7 +4938,7 @@
               <a:buNone/>
               <a:defRPr b="1" sz="2400">
                 <a:solidFill>
-                  <a:schemeClr val="dk2"/>
+                  <a:schemeClr val="dk1"/>
                 </a:solidFill>
               </a:defRPr>
             </a:lvl2pPr>
@@ -4832,7 +4946,7 @@
               <a:buNone/>
               <a:defRPr b="1" sz="2400">
                 <a:solidFill>
-                  <a:schemeClr val="dk2"/>
+                  <a:schemeClr val="dk1"/>
                 </a:solidFill>
               </a:defRPr>
             </a:lvl3pPr>
@@ -4840,7 +4954,7 @@
               <a:buNone/>
               <a:defRPr b="1" sz="2400">
                 <a:solidFill>
-                  <a:schemeClr val="dk2"/>
+                  <a:schemeClr val="dk1"/>
                 </a:solidFill>
               </a:defRPr>
             </a:lvl4pPr>
@@ -4848,7 +4962,7 @@
               <a:buNone/>
               <a:defRPr b="1" sz="2400">
                 <a:solidFill>
-                  <a:schemeClr val="dk2"/>
+                  <a:schemeClr val="dk1"/>
                 </a:solidFill>
               </a:defRPr>
             </a:lvl5pPr>
@@ -4856,7 +4970,7 @@
               <a:buNone/>
               <a:defRPr b="1" sz="2400">
                 <a:solidFill>
-                  <a:schemeClr val="dk2"/>
+                  <a:schemeClr val="dk1"/>
                 </a:solidFill>
               </a:defRPr>
             </a:lvl6pPr>
@@ -4864,7 +4978,7 @@
               <a:buNone/>
               <a:defRPr b="1" sz="2400">
                 <a:solidFill>
-                  <a:schemeClr val="dk2"/>
+                  <a:schemeClr val="dk1"/>
                 </a:solidFill>
               </a:defRPr>
             </a:lvl7pPr>
@@ -4872,7 +4986,7 @@
               <a:buNone/>
               <a:defRPr b="1" sz="2400">
                 <a:solidFill>
-                  <a:schemeClr val="dk2"/>
+                  <a:schemeClr val="dk1"/>
                 </a:solidFill>
               </a:defRPr>
             </a:lvl8pPr>
@@ -4880,7 +4994,7 @@
               <a:buNone/>
               <a:defRPr b="1" sz="2400">
                 <a:solidFill>
-                  <a:schemeClr val="dk2"/>
+                  <a:schemeClr val="dk1"/>
                 </a:solidFill>
               </a:defRPr>
             </a:lvl9pPr>
@@ -4912,19 +5026,19 @@
               <a:buNone/>
             </a:pPr>
             <a:r>
-              <a:rPr b="0" lang="en" sz="900" u="sng">
+              <a:rPr b="0" lang="en" sz="1000" u="sng">
                 <a:solidFill>
                   <a:schemeClr val="hlink"/>
                 </a:solidFill>
                 <a:hlinkClick r:id="rId1"/>
               </a:rPr>
-              <a:t>https://profriehle.com</a:t>
+              <a:t>uni1.de/nyt</a:t>
             </a:r>
             <a:r>
-              <a:rPr b="0" lang="en" sz="900"/>
+              <a:rPr b="0" lang="en" sz="1000"/>
               <a:t> </a:t>
             </a:r>
-            <a:endParaRPr b="0" sz="900"/>
+            <a:endParaRPr b="0" sz="1000"/>
           </a:p>
         </p:txBody>
       </p:sp>
@@ -5637,7 +5751,7 @@
   <p:cSld>
     <p:spTree>
       <p:nvGrpSpPr>
-        <p:cNvPr id="35" name="Shape 35"/>
+        <p:cNvPr id="36" name="Shape 36"/>
         <p:cNvGrpSpPr/>
         <p:nvPr/>
       </p:nvGrpSpPr>
@@ -5651,7 +5765,7 @@
       </p:grpSpPr>
       <p:sp>
         <p:nvSpPr>
-          <p:cNvPr id="36" name="Google Shape;36;p8"/>
+          <p:cNvPr id="37" name="Google Shape;37;p8"/>
           <p:cNvSpPr txBox="1"/>
           <p:nvPr>
             <p:ph type="ctrTitle"/>
@@ -5691,7 +5805,7 @@
       </p:sp>
       <p:sp>
         <p:nvSpPr>
-          <p:cNvPr id="37" name="Google Shape;37;p8"/>
+          <p:cNvPr id="38" name="Google Shape;38;p8"/>
           <p:cNvSpPr txBox="1"/>
           <p:nvPr>
             <p:ph idx="1" type="subTitle"/>
@@ -5719,11 +5833,6 @@
               <a:spcAft>
                 <a:spcPts val="0"/>
               </a:spcAft>
-              <a:buClr>
-                <a:schemeClr val="dk1"/>
-              </a:buClr>
-              <a:buSzPts val="1100"/>
-              <a:buFont typeface="Arial"/>
               <a:buNone/>
             </a:pPr>
             <a:r>
@@ -5740,11 +5849,6 @@
               <a:spcAft>
                 <a:spcPts val="0"/>
               </a:spcAft>
-              <a:buClr>
-                <a:schemeClr val="dk1"/>
-              </a:buClr>
-              <a:buSzPts val="1100"/>
-              <a:buFont typeface="Arial"/>
               <a:buNone/>
             </a:pPr>
             <a:r>
@@ -5760,16 +5864,11 @@
               <a:spcAft>
                 <a:spcPts val="0"/>
               </a:spcAft>
-              <a:buClr>
-                <a:schemeClr val="dk1"/>
-              </a:buClr>
-              <a:buSzPts val="1100"/>
-              <a:buFont typeface="Arial"/>
               <a:buNone/>
             </a:pPr>
             <a:r>
               <a:rPr b="1" lang="en"/>
-              <a:t>NYT C03</a:t>
+              <a:t>NYT B04</a:t>
             </a:r>
             <a:endParaRPr b="1"/>
           </a:p>
@@ -5813,7 +5912,7 @@
   <p:cSld>
     <p:spTree>
       <p:nvGrpSpPr>
-        <p:cNvPr id="95" name="Shape 95"/>
+        <p:cNvPr id="96" name="Shape 96"/>
         <p:cNvGrpSpPr/>
         <p:nvPr/>
       </p:nvGrpSpPr>
@@ -5827,7 +5926,7 @@
       </p:grpSpPr>
       <p:sp>
         <p:nvSpPr>
-          <p:cNvPr id="96" name="Google Shape;96;p17"/>
+          <p:cNvPr id="97" name="Google Shape;97;p17"/>
           <p:cNvSpPr txBox="1"/>
           <p:nvPr>
             <p:ph type="title"/>
@@ -5867,7 +5966,7 @@
       </p:sp>
       <p:sp>
         <p:nvSpPr>
-          <p:cNvPr id="97" name="Google Shape;97;p17"/>
+          <p:cNvPr id="98" name="Google Shape;98;p17"/>
           <p:cNvSpPr txBox="1"/>
           <p:nvPr>
             <p:ph idx="1" type="body"/>
@@ -5978,7 +6077,7 @@
       </p:sp>
       <p:sp>
         <p:nvSpPr>
-          <p:cNvPr id="98" name="Google Shape;98;p17"/>
+          <p:cNvPr id="99" name="Google Shape;99;p17"/>
           <p:cNvSpPr txBox="1"/>
           <p:nvPr>
             <p:ph idx="12" type="sldNum"/>
@@ -5986,8 +6085,8 @@
         </p:nvSpPr>
         <p:spPr>
           <a:xfrm>
-            <a:off x="7315202" y="4416550"/>
-            <a:ext cx="1828800" cy="731400"/>
+            <a:off x="7315209" y="4229101"/>
+            <a:ext cx="1828800" cy="914400"/>
           </a:xfrm>
           <a:prstGeom prst="rect">
             <a:avLst/>
@@ -6025,33 +6124,25 @@
               <a:buNone/>
             </a:pPr>
             <a:r>
-              <a:rPr b="0" lang="en" sz="900" u="sng">
+              <a:rPr b="0" lang="en" sz="1000" u="sng">
                 <a:solidFill>
                   <a:schemeClr val="hlink"/>
                 </a:solidFill>
                 <a:hlinkClick r:id="rId3"/>
               </a:rPr>
-              <a:t>https://profriehle.com</a:t>
+              <a:t>uni1.de/nyt</a:t>
             </a:r>
             <a:r>
-              <a:rPr b="0" lang="en" sz="900">
-                <a:solidFill>
-                  <a:schemeClr val="dk2"/>
-                </a:solidFill>
-              </a:rPr>
+              <a:rPr b="0" lang="en" sz="1000"/>
               <a:t> </a:t>
             </a:r>
-            <a:endParaRPr b="0" sz="900">
-              <a:solidFill>
-                <a:schemeClr val="dk2"/>
-              </a:solidFill>
-            </a:endParaRPr>
+            <a:endParaRPr b="0" sz="1000"/>
           </a:p>
         </p:txBody>
       </p:sp>
       <p:sp>
         <p:nvSpPr>
-          <p:cNvPr id="99" name="Google Shape;99;p17"/>
+          <p:cNvPr id="100" name="Google Shape;100;p17"/>
           <p:cNvSpPr txBox="1"/>
           <p:nvPr/>
         </p:nvSpPr>
@@ -6104,7 +6195,7 @@
   <p:cSld>
     <p:spTree>
       <p:nvGrpSpPr>
-        <p:cNvPr id="103" name="Shape 103"/>
+        <p:cNvPr id="104" name="Shape 104"/>
         <p:cNvGrpSpPr/>
         <p:nvPr/>
       </p:nvGrpSpPr>
@@ -6118,7 +6209,7 @@
       </p:grpSpPr>
       <p:sp>
         <p:nvSpPr>
-          <p:cNvPr id="104" name="Google Shape;104;p18"/>
+          <p:cNvPr id="105" name="Google Shape;105;p18"/>
           <p:cNvSpPr txBox="1"/>
           <p:nvPr>
             <p:ph type="title"/>
@@ -6158,7 +6249,7 @@
       </p:sp>
       <p:sp>
         <p:nvSpPr>
-          <p:cNvPr id="105" name="Google Shape;105;p18"/>
+          <p:cNvPr id="106" name="Google Shape;106;p18"/>
           <p:cNvSpPr txBox="1"/>
           <p:nvPr>
             <p:ph idx="12" type="sldNum"/>
@@ -6166,8 +6257,8 @@
         </p:nvSpPr>
         <p:spPr>
           <a:xfrm>
-            <a:off x="7315202" y="4416550"/>
-            <a:ext cx="1828800" cy="731400"/>
+            <a:off x="7315209" y="4229101"/>
+            <a:ext cx="1828800" cy="914400"/>
           </a:xfrm>
           <a:prstGeom prst="rect">
             <a:avLst/>
@@ -6205,33 +6296,25 @@
               <a:buNone/>
             </a:pPr>
             <a:r>
-              <a:rPr b="0" lang="en" sz="900" u="sng">
+              <a:rPr b="0" lang="en" sz="1000" u="sng">
                 <a:solidFill>
                   <a:schemeClr val="hlink"/>
                 </a:solidFill>
                 <a:hlinkClick r:id="rId3"/>
               </a:rPr>
-              <a:t>https://profriehle.com</a:t>
+              <a:t>uni1.de/nyt</a:t>
             </a:r>
             <a:r>
-              <a:rPr b="0" lang="en" sz="900">
-                <a:solidFill>
-                  <a:schemeClr val="dk2"/>
-                </a:solidFill>
-              </a:rPr>
+              <a:rPr b="0" lang="en" sz="1000"/>
               <a:t> </a:t>
             </a:r>
-            <a:endParaRPr b="0" sz="900">
-              <a:solidFill>
-                <a:schemeClr val="dk2"/>
-              </a:solidFill>
-            </a:endParaRPr>
+            <a:endParaRPr b="0" sz="1000"/>
           </a:p>
         </p:txBody>
       </p:sp>
       <p:graphicFrame>
         <p:nvGraphicFramePr>
-          <p:cNvPr id="106" name="Google Shape;106;p18"/>
+          <p:cNvPr id="107" name="Google Shape;107;p18"/>
           <p:cNvGraphicFramePr/>
           <p:nvPr/>
         </p:nvGraphicFramePr>
@@ -6244,7 +6327,7 @@
             <a:tbl>
               <a:tblPr>
                 <a:noFill/>
-                <a:tableStyleId>{47B4706D-F55F-4816-97C8-FDC9FD9B0891}</a:tableStyleId>
+                <a:tableStyleId>{583C970E-BC8D-4518-90A5-38E2BEFE84A2}</a:tableStyleId>
               </a:tblPr>
               <a:tblGrid>
                 <a:gridCol w="640600"/>
@@ -7609,7 +7692,7 @@
       </p:graphicFrame>
       <p:sp>
         <p:nvSpPr>
-          <p:cNvPr id="107" name="Google Shape;107;p18"/>
+          <p:cNvPr id="108" name="Google Shape;108;p18"/>
           <p:cNvSpPr txBox="1"/>
           <p:nvPr/>
         </p:nvSpPr>
@@ -7666,7 +7749,7 @@
   <p:cSld>
     <p:spTree>
       <p:nvGrpSpPr>
-        <p:cNvPr id="111" name="Shape 111"/>
+        <p:cNvPr id="112" name="Shape 112"/>
         <p:cNvGrpSpPr/>
         <p:nvPr/>
       </p:nvGrpSpPr>
@@ -7680,7 +7763,7 @@
       </p:grpSpPr>
       <p:sp>
         <p:nvSpPr>
-          <p:cNvPr id="112" name="Google Shape;112;p19"/>
+          <p:cNvPr id="113" name="Google Shape;113;p19"/>
           <p:cNvSpPr txBox="1"/>
           <p:nvPr>
             <p:ph idx="1" type="body"/>
@@ -7843,7 +7926,7 @@
       </p:sp>
       <p:sp>
         <p:nvSpPr>
-          <p:cNvPr id="113" name="Google Shape;113;p19"/>
+          <p:cNvPr id="114" name="Google Shape;114;p19"/>
           <p:cNvSpPr txBox="1"/>
           <p:nvPr>
             <p:ph type="title"/>
@@ -7883,7 +7966,7 @@
       </p:sp>
       <p:sp>
         <p:nvSpPr>
-          <p:cNvPr id="114" name="Google Shape;114;p19"/>
+          <p:cNvPr id="115" name="Google Shape;115;p19"/>
           <p:cNvSpPr txBox="1"/>
           <p:nvPr>
             <p:ph idx="12" type="sldNum"/>
@@ -7891,8 +7974,8 @@
         </p:nvSpPr>
         <p:spPr>
           <a:xfrm>
-            <a:off x="7315202" y="4416550"/>
-            <a:ext cx="1828800" cy="731400"/>
+            <a:off x="7315209" y="4229101"/>
+            <a:ext cx="1828800" cy="914400"/>
           </a:xfrm>
           <a:prstGeom prst="rect">
             <a:avLst/>
@@ -7930,33 +8013,25 @@
               <a:buNone/>
             </a:pPr>
             <a:r>
-              <a:rPr b="0" lang="en" sz="900" u="sng">
+              <a:rPr b="0" lang="en" sz="1000" u="sng">
                 <a:solidFill>
                   <a:schemeClr val="hlink"/>
                 </a:solidFill>
                 <a:hlinkClick r:id="rId3"/>
               </a:rPr>
-              <a:t>https://profriehle.com</a:t>
+              <a:t>uni1.de/nyt</a:t>
             </a:r>
             <a:r>
-              <a:rPr b="0" lang="en" sz="900">
-                <a:solidFill>
-                  <a:schemeClr val="dk2"/>
-                </a:solidFill>
-              </a:rPr>
+              <a:rPr b="0" lang="en" sz="1000"/>
               <a:t> </a:t>
             </a:r>
-            <a:endParaRPr>
-              <a:solidFill>
-                <a:schemeClr val="dk2"/>
-              </a:solidFill>
-            </a:endParaRPr>
+            <a:endParaRPr b="0" sz="1000"/>
           </a:p>
         </p:txBody>
       </p:sp>
       <p:sp>
         <p:nvSpPr>
-          <p:cNvPr id="115" name="Google Shape;115;p19"/>
+          <p:cNvPr id="116" name="Google Shape;116;p19"/>
           <p:cNvSpPr txBox="1"/>
           <p:nvPr>
             <p:ph idx="2" type="body"/>
@@ -8126,7 +8201,7 @@
   <p:cSld>
     <p:spTree>
       <p:nvGrpSpPr>
-        <p:cNvPr id="119" name="Shape 119"/>
+        <p:cNvPr id="120" name="Shape 120"/>
         <p:cNvGrpSpPr/>
         <p:nvPr/>
       </p:nvGrpSpPr>
@@ -8140,7 +8215,7 @@
       </p:grpSpPr>
       <p:sp>
         <p:nvSpPr>
-          <p:cNvPr id="120" name="Google Shape;120;p20"/>
+          <p:cNvPr id="121" name="Google Shape;121;p20"/>
           <p:cNvSpPr txBox="1"/>
           <p:nvPr>
             <p:ph type="title"/>
@@ -8180,7 +8255,7 @@
       </p:sp>
       <p:sp>
         <p:nvSpPr>
-          <p:cNvPr id="121" name="Google Shape;121;p20"/>
+          <p:cNvPr id="122" name="Google Shape;122;p20"/>
           <p:cNvSpPr txBox="1"/>
           <p:nvPr>
             <p:ph idx="12" type="sldNum"/>
@@ -8188,8 +8263,8 @@
         </p:nvSpPr>
         <p:spPr>
           <a:xfrm>
-            <a:off x="7315202" y="4416550"/>
-            <a:ext cx="1828800" cy="731400"/>
+            <a:off x="7315209" y="4229101"/>
+            <a:ext cx="1828800" cy="914400"/>
           </a:xfrm>
           <a:prstGeom prst="rect">
             <a:avLst/>
@@ -8227,33 +8302,25 @@
               <a:buNone/>
             </a:pPr>
             <a:r>
-              <a:rPr b="0" lang="en" sz="900" u="sng">
+              <a:rPr b="0" lang="en" sz="1000" u="sng">
                 <a:solidFill>
                   <a:schemeClr val="hlink"/>
                 </a:solidFill>
                 <a:hlinkClick r:id="rId3"/>
               </a:rPr>
-              <a:t>https://profriehle.com</a:t>
+              <a:t>uni1.de/nyt</a:t>
             </a:r>
             <a:r>
-              <a:rPr b="0" lang="en" sz="900">
-                <a:solidFill>
-                  <a:schemeClr val="dk2"/>
-                </a:solidFill>
-              </a:rPr>
+              <a:rPr b="0" lang="en" sz="1000"/>
               <a:t> </a:t>
             </a:r>
-            <a:endParaRPr b="0" sz="900">
-              <a:solidFill>
-                <a:schemeClr val="dk2"/>
-              </a:solidFill>
-            </a:endParaRPr>
+            <a:endParaRPr b="0" sz="1000"/>
           </a:p>
         </p:txBody>
       </p:sp>
       <p:pic>
         <p:nvPicPr>
-          <p:cNvPr id="122" name="Google Shape;122;p20"/>
+          <p:cNvPr id="123" name="Google Shape;123;p20"/>
           <p:cNvPicPr preferRelativeResize="0"/>
           <p:nvPr/>
         </p:nvPicPr>
@@ -8292,7 +8359,7 @@
   <p:cSld>
     <p:spTree>
       <p:nvGrpSpPr>
-        <p:cNvPr id="126" name="Shape 126"/>
+        <p:cNvPr id="127" name="Shape 127"/>
         <p:cNvGrpSpPr/>
         <p:nvPr/>
       </p:nvGrpSpPr>
@@ -8306,7 +8373,7 @@
       </p:grpSpPr>
       <p:sp>
         <p:nvSpPr>
-          <p:cNvPr id="127" name="Google Shape;127;p21"/>
+          <p:cNvPr id="128" name="Google Shape;128;p21"/>
           <p:cNvSpPr txBox="1"/>
           <p:nvPr>
             <p:ph type="title"/>
@@ -8346,7 +8413,7 @@
       </p:sp>
       <p:sp>
         <p:nvSpPr>
-          <p:cNvPr id="128" name="Google Shape;128;p21"/>
+          <p:cNvPr id="129" name="Google Shape;129;p21"/>
           <p:cNvSpPr txBox="1"/>
           <p:nvPr>
             <p:ph idx="12" type="sldNum"/>
@@ -8354,8 +8421,8 @@
         </p:nvSpPr>
         <p:spPr>
           <a:xfrm>
-            <a:off x="7315202" y="4416550"/>
-            <a:ext cx="1828800" cy="731400"/>
+            <a:off x="7315209" y="4229101"/>
+            <a:ext cx="1828800" cy="914400"/>
           </a:xfrm>
           <a:prstGeom prst="rect">
             <a:avLst/>
@@ -8393,33 +8460,25 @@
               <a:buNone/>
             </a:pPr>
             <a:r>
-              <a:rPr b="0" lang="en" sz="900" u="sng">
+              <a:rPr b="0" lang="en" sz="1000" u="sng">
                 <a:solidFill>
                   <a:schemeClr val="hlink"/>
                 </a:solidFill>
                 <a:hlinkClick r:id="rId3"/>
               </a:rPr>
-              <a:t>https://profriehle.com</a:t>
+              <a:t>uni1.de/nyt</a:t>
             </a:r>
             <a:r>
-              <a:rPr b="0" lang="en" sz="900">
-                <a:solidFill>
-                  <a:schemeClr val="dk2"/>
-                </a:solidFill>
-              </a:rPr>
+              <a:rPr b="0" lang="en" sz="1000"/>
               <a:t> </a:t>
             </a:r>
-            <a:endParaRPr b="0" sz="900">
-              <a:solidFill>
-                <a:schemeClr val="dk2"/>
-              </a:solidFill>
-            </a:endParaRPr>
+            <a:endParaRPr b="0" sz="1000"/>
           </a:p>
         </p:txBody>
       </p:sp>
       <p:graphicFrame>
         <p:nvGraphicFramePr>
-          <p:cNvPr id="129" name="Google Shape;129;p21"/>
+          <p:cNvPr id="130" name="Google Shape;130;p21"/>
           <p:cNvGraphicFramePr/>
           <p:nvPr/>
         </p:nvGraphicFramePr>
@@ -8432,7 +8491,7 @@
             <a:tbl>
               <a:tblPr>
                 <a:noFill/>
-                <a:tableStyleId>{47B4706D-F55F-4816-97C8-FDC9FD9B0891}</a:tableStyleId>
+                <a:tableStyleId>{583C970E-BC8D-4518-90A5-38E2BEFE84A2}</a:tableStyleId>
               </a:tblPr>
               <a:tblGrid>
                 <a:gridCol w="640600"/>
@@ -9808,7 +9867,7 @@
   <p:cSld>
     <p:spTree>
       <p:nvGrpSpPr>
-        <p:cNvPr id="133" name="Shape 133"/>
+        <p:cNvPr id="134" name="Shape 134"/>
         <p:cNvGrpSpPr/>
         <p:nvPr/>
       </p:nvGrpSpPr>
@@ -9822,7 +9881,7 @@
       </p:grpSpPr>
       <p:sp>
         <p:nvSpPr>
-          <p:cNvPr id="134" name="Google Shape;134;p22"/>
+          <p:cNvPr id="135" name="Google Shape;135;p22"/>
           <p:cNvSpPr txBox="1"/>
           <p:nvPr>
             <p:ph type="title"/>
@@ -9862,7 +9921,7 @@
       </p:sp>
       <p:sp>
         <p:nvSpPr>
-          <p:cNvPr id="135" name="Google Shape;135;p22"/>
+          <p:cNvPr id="136" name="Google Shape;136;p22"/>
           <p:cNvSpPr txBox="1"/>
           <p:nvPr>
             <p:ph idx="12" type="sldNum"/>
@@ -9870,8 +9929,8 @@
         </p:nvSpPr>
         <p:spPr>
           <a:xfrm>
-            <a:off x="7315202" y="4416550"/>
-            <a:ext cx="1828800" cy="731400"/>
+            <a:off x="7315209" y="4229101"/>
+            <a:ext cx="1828800" cy="914400"/>
           </a:xfrm>
           <a:prstGeom prst="rect">
             <a:avLst/>
@@ -9909,33 +9968,25 @@
               <a:buNone/>
             </a:pPr>
             <a:r>
-              <a:rPr b="0" lang="en" sz="900" u="sng">
+              <a:rPr b="0" lang="en" sz="1000" u="sng">
                 <a:solidFill>
                   <a:schemeClr val="hlink"/>
                 </a:solidFill>
                 <a:hlinkClick r:id="rId3"/>
               </a:rPr>
-              <a:t>https://profriehle.com</a:t>
+              <a:t>uni1.de/nyt</a:t>
             </a:r>
             <a:r>
-              <a:rPr b="0" lang="en" sz="900">
-                <a:solidFill>
-                  <a:schemeClr val="dk2"/>
-                </a:solidFill>
-              </a:rPr>
+              <a:rPr b="0" lang="en" sz="1000"/>
               <a:t> </a:t>
             </a:r>
-            <a:endParaRPr b="0" sz="900">
-              <a:solidFill>
-                <a:schemeClr val="dk2"/>
-              </a:solidFill>
-            </a:endParaRPr>
+            <a:endParaRPr b="0" sz="1000"/>
           </a:p>
         </p:txBody>
       </p:sp>
       <p:graphicFrame>
         <p:nvGraphicFramePr>
-          <p:cNvPr id="136" name="Google Shape;136;p22"/>
+          <p:cNvPr id="137" name="Google Shape;137;p22"/>
           <p:cNvGraphicFramePr/>
           <p:nvPr/>
         </p:nvGraphicFramePr>
@@ -9948,7 +9999,7 @@
             <a:tbl>
               <a:tblPr>
                 <a:noFill/>
-                <a:tableStyleId>{47B4706D-F55F-4816-97C8-FDC9FD9B0891}</a:tableStyleId>
+                <a:tableStyleId>{583C970E-BC8D-4518-90A5-38E2BEFE84A2}</a:tableStyleId>
               </a:tblPr>
               <a:tblGrid>
                 <a:gridCol w="640725"/>
@@ -11768,7 +11819,7 @@
       </p:graphicFrame>
       <p:sp>
         <p:nvSpPr>
-          <p:cNvPr id="137" name="Google Shape;137;p22"/>
+          <p:cNvPr id="138" name="Google Shape;138;p22"/>
           <p:cNvSpPr txBox="1"/>
           <p:nvPr/>
         </p:nvSpPr>
@@ -11821,7 +11872,7 @@
   <p:cSld>
     <p:spTree>
       <p:nvGrpSpPr>
-        <p:cNvPr id="141" name="Shape 141"/>
+        <p:cNvPr id="142" name="Shape 142"/>
         <p:cNvGrpSpPr/>
         <p:nvPr/>
       </p:nvGrpSpPr>
@@ -11835,7 +11886,7 @@
       </p:grpSpPr>
       <p:sp>
         <p:nvSpPr>
-          <p:cNvPr id="142" name="Google Shape;142;p23"/>
+          <p:cNvPr id="143" name="Google Shape;143;p23"/>
           <p:cNvSpPr txBox="1"/>
           <p:nvPr>
             <p:ph type="ctrTitle"/>
@@ -11875,7 +11926,7 @@
       </p:sp>
       <p:sp>
         <p:nvSpPr>
-          <p:cNvPr id="143" name="Google Shape;143;p23"/>
+          <p:cNvPr id="144" name="Google Shape;144;p23"/>
           <p:cNvSpPr txBox="1"/>
           <p:nvPr>
             <p:ph idx="1" type="subTitle"/>
@@ -12005,7 +12056,7 @@
   <p:cSld>
     <p:spTree>
       <p:nvGrpSpPr>
-        <p:cNvPr id="147" name="Shape 147"/>
+        <p:cNvPr id="148" name="Shape 148"/>
         <p:cNvGrpSpPr/>
         <p:nvPr/>
       </p:nvGrpSpPr>
@@ -12019,7 +12070,7 @@
       </p:grpSpPr>
       <p:sp>
         <p:nvSpPr>
-          <p:cNvPr id="148" name="Google Shape;148;p24"/>
+          <p:cNvPr id="149" name="Google Shape;149;p24"/>
           <p:cNvSpPr txBox="1"/>
           <p:nvPr>
             <p:ph type="title"/>
@@ -12059,7 +12110,7 @@
       </p:sp>
       <p:sp>
         <p:nvSpPr>
-          <p:cNvPr id="149" name="Google Shape;149;p24"/>
+          <p:cNvPr id="150" name="Google Shape;150;p24"/>
           <p:cNvSpPr txBox="1"/>
           <p:nvPr>
             <p:ph idx="12" type="sldNum"/>
@@ -12067,8 +12118,8 @@
         </p:nvSpPr>
         <p:spPr>
           <a:xfrm>
-            <a:off x="7315202" y="4416550"/>
-            <a:ext cx="1828800" cy="731400"/>
+            <a:off x="7315209" y="4229101"/>
+            <a:ext cx="1828800" cy="914400"/>
           </a:xfrm>
           <a:prstGeom prst="rect">
             <a:avLst/>
@@ -12132,7 +12183,7 @@
       </p:sp>
       <p:sp>
         <p:nvSpPr>
-          <p:cNvPr id="150" name="Google Shape;150;p24"/>
+          <p:cNvPr id="151" name="Google Shape;151;p24"/>
           <p:cNvSpPr txBox="1"/>
           <p:nvPr>
             <p:ph idx="1" type="body"/>
@@ -12227,7 +12278,7 @@
             </a:pPr>
             <a:r>
               <a:rPr lang="en"/>
-              <a:t>© 2022-2023 Dirk Riehle, some rights reserved</a:t>
+              <a:t>© 2012, 2023, 2024 Dirk Riehle, some rights reserved</a:t>
             </a:r>
             <a:endParaRPr/>
           </a:p>
@@ -12261,7 +12312,7 @@
   <p:cSld>
     <p:spTree>
       <p:nvGrpSpPr>
-        <p:cNvPr id="41" name="Shape 41"/>
+        <p:cNvPr id="42" name="Shape 42"/>
         <p:cNvGrpSpPr/>
         <p:nvPr/>
       </p:nvGrpSpPr>
@@ -12275,7 +12326,7 @@
       </p:grpSpPr>
       <p:sp>
         <p:nvSpPr>
-          <p:cNvPr id="42" name="Google Shape;42;p9"/>
+          <p:cNvPr id="43" name="Google Shape;43;p9"/>
           <p:cNvSpPr txBox="1"/>
           <p:nvPr>
             <p:ph type="title"/>
@@ -12315,7 +12366,7 @@
       </p:sp>
       <p:sp>
         <p:nvSpPr>
-          <p:cNvPr id="43" name="Google Shape;43;p9"/>
+          <p:cNvPr id="44" name="Google Shape;44;p9"/>
           <p:cNvSpPr txBox="1"/>
           <p:nvPr>
             <p:ph idx="1" type="body"/>
@@ -12373,7 +12424,7 @@
       </p:sp>
       <p:sp>
         <p:nvSpPr>
-          <p:cNvPr id="44" name="Google Shape;44;p9"/>
+          <p:cNvPr id="45" name="Google Shape;45;p9"/>
           <p:cNvSpPr txBox="1"/>
           <p:nvPr>
             <p:ph idx="12" type="sldNum"/>
@@ -12381,8 +12432,8 @@
         </p:nvSpPr>
         <p:spPr>
           <a:xfrm>
-            <a:off x="7315202" y="4416550"/>
-            <a:ext cx="1828800" cy="731400"/>
+            <a:off x="7315209" y="4229101"/>
+            <a:ext cx="1828800" cy="914400"/>
           </a:xfrm>
           <a:prstGeom prst="rect">
             <a:avLst/>
@@ -12420,27 +12471,19 @@
               <a:buNone/>
             </a:pPr>
             <a:r>
-              <a:rPr b="0" lang="en" sz="900" u="sng">
+              <a:rPr b="0" lang="en" sz="1000" u="sng">
                 <a:solidFill>
                   <a:schemeClr val="hlink"/>
                 </a:solidFill>
                 <a:hlinkClick r:id="rId3"/>
               </a:rPr>
-              <a:t>https://profriehle.com</a:t>
+              <a:t>uni1.de/nyt</a:t>
             </a:r>
             <a:r>
-              <a:rPr b="0" lang="en" sz="900">
-                <a:solidFill>
-                  <a:schemeClr val="dk2"/>
-                </a:solidFill>
-              </a:rPr>
+              <a:rPr b="0" lang="en" sz="1000"/>
               <a:t> </a:t>
             </a:r>
-            <a:endParaRPr b="0" sz="900">
-              <a:solidFill>
-                <a:schemeClr val="dk2"/>
-              </a:solidFill>
-            </a:endParaRPr>
+            <a:endParaRPr b="0" sz="1000"/>
           </a:p>
         </p:txBody>
       </p:sp>
@@ -12457,7 +12500,7 @@
   <p:cSld>
     <p:spTree>
       <p:nvGrpSpPr>
-        <p:cNvPr id="48" name="Shape 48"/>
+        <p:cNvPr id="49" name="Shape 49"/>
         <p:cNvGrpSpPr/>
         <p:nvPr/>
       </p:nvGrpSpPr>
@@ -12471,7 +12514,7 @@
       </p:grpSpPr>
       <p:sp>
         <p:nvSpPr>
-          <p:cNvPr id="49" name="Google Shape;49;p10"/>
+          <p:cNvPr id="50" name="Google Shape;50;p10"/>
           <p:cNvSpPr txBox="1"/>
           <p:nvPr>
             <p:ph type="title"/>
@@ -12522,7 +12565,7 @@
   <p:cSld>
     <p:spTree>
       <p:nvGrpSpPr>
-        <p:cNvPr id="53" name="Shape 53"/>
+        <p:cNvPr id="54" name="Shape 54"/>
         <p:cNvGrpSpPr/>
         <p:nvPr/>
       </p:nvGrpSpPr>
@@ -12536,7 +12579,7 @@
       </p:grpSpPr>
       <p:sp>
         <p:nvSpPr>
-          <p:cNvPr id="54" name="Google Shape;54;p11"/>
+          <p:cNvPr id="55" name="Google Shape;55;p11"/>
           <p:cNvSpPr txBox="1"/>
           <p:nvPr>
             <p:ph type="title"/>
@@ -12576,7 +12619,7 @@
       </p:sp>
       <p:sp>
         <p:nvSpPr>
-          <p:cNvPr id="55" name="Google Shape;55;p11"/>
+          <p:cNvPr id="56" name="Google Shape;56;p11"/>
           <p:cNvSpPr txBox="1"/>
           <p:nvPr>
             <p:ph idx="12" type="sldNum"/>
@@ -12584,8 +12627,8 @@
         </p:nvSpPr>
         <p:spPr>
           <a:xfrm>
-            <a:off x="7315202" y="4416550"/>
-            <a:ext cx="1828800" cy="731400"/>
+            <a:off x="7315209" y="4229101"/>
+            <a:ext cx="1828800" cy="914400"/>
           </a:xfrm>
           <a:prstGeom prst="rect">
             <a:avLst/>
@@ -12623,33 +12666,25 @@
               <a:buNone/>
             </a:pPr>
             <a:r>
-              <a:rPr b="0" lang="en" sz="900" u="sng">
+              <a:rPr b="0" lang="en" sz="1000" u="sng">
                 <a:solidFill>
                   <a:schemeClr val="hlink"/>
                 </a:solidFill>
                 <a:hlinkClick r:id="rId3"/>
               </a:rPr>
-              <a:t>https://profriehle.com</a:t>
+              <a:t>uni1.de/nyt</a:t>
             </a:r>
             <a:r>
-              <a:rPr b="0" lang="en" sz="900">
-                <a:solidFill>
-                  <a:schemeClr val="dk2"/>
-                </a:solidFill>
-              </a:rPr>
+              <a:rPr b="0" lang="en" sz="1000"/>
               <a:t> </a:t>
             </a:r>
-            <a:endParaRPr b="0" sz="900">
-              <a:solidFill>
-                <a:schemeClr val="dk2"/>
-              </a:solidFill>
-            </a:endParaRPr>
+            <a:endParaRPr b="0" sz="1000"/>
           </a:p>
         </p:txBody>
       </p:sp>
       <p:pic>
         <p:nvPicPr>
-          <p:cNvPr id="56" name="Google Shape;56;p11"/>
+          <p:cNvPr id="57" name="Google Shape;57;p11"/>
           <p:cNvPicPr preferRelativeResize="0"/>
           <p:nvPr/>
         </p:nvPicPr>
@@ -12688,7 +12723,7 @@
   <p:cSld>
     <p:spTree>
       <p:nvGrpSpPr>
-        <p:cNvPr id="60" name="Shape 60"/>
+        <p:cNvPr id="61" name="Shape 61"/>
         <p:cNvGrpSpPr/>
         <p:nvPr/>
       </p:nvGrpSpPr>
@@ -12702,7 +12737,7 @@
       </p:grpSpPr>
       <p:sp>
         <p:nvSpPr>
-          <p:cNvPr id="61" name="Google Shape;61;p12"/>
+          <p:cNvPr id="62" name="Google Shape;62;p12"/>
           <p:cNvSpPr txBox="1"/>
           <p:nvPr>
             <p:ph type="title"/>
@@ -12742,7 +12777,7 @@
       </p:sp>
       <p:sp>
         <p:nvSpPr>
-          <p:cNvPr id="62" name="Google Shape;62;p12"/>
+          <p:cNvPr id="63" name="Google Shape;63;p12"/>
           <p:cNvSpPr txBox="1"/>
           <p:nvPr>
             <p:ph idx="1" type="body"/>
@@ -12829,7 +12864,7 @@
       </p:sp>
       <p:sp>
         <p:nvSpPr>
-          <p:cNvPr id="63" name="Google Shape;63;p12"/>
+          <p:cNvPr id="64" name="Google Shape;64;p12"/>
           <p:cNvSpPr txBox="1"/>
           <p:nvPr>
             <p:ph idx="12" type="sldNum"/>
@@ -12837,8 +12872,8 @@
         </p:nvSpPr>
         <p:spPr>
           <a:xfrm>
-            <a:off x="7315202" y="4416550"/>
-            <a:ext cx="1828800" cy="731400"/>
+            <a:off x="7315209" y="4229101"/>
+            <a:ext cx="1828800" cy="914400"/>
           </a:xfrm>
           <a:prstGeom prst="rect">
             <a:avLst/>
@@ -12876,27 +12911,19 @@
               <a:buNone/>
             </a:pPr>
             <a:r>
-              <a:rPr b="0" lang="en" sz="900" u="sng">
+              <a:rPr b="0" lang="en" sz="1000" u="sng">
                 <a:solidFill>
                   <a:schemeClr val="hlink"/>
                 </a:solidFill>
                 <a:hlinkClick r:id="rId3"/>
               </a:rPr>
-              <a:t>https://profriehle.com</a:t>
+              <a:t>uni1.de/nyt</a:t>
             </a:r>
             <a:r>
-              <a:rPr b="0" lang="en" sz="900">
-                <a:solidFill>
-                  <a:schemeClr val="dk2"/>
-                </a:solidFill>
-              </a:rPr>
+              <a:rPr b="0" lang="en" sz="1000"/>
               <a:t> </a:t>
             </a:r>
-            <a:endParaRPr b="0" sz="900">
-              <a:solidFill>
-                <a:schemeClr val="dk2"/>
-              </a:solidFill>
-            </a:endParaRPr>
+            <a:endParaRPr b="0" sz="1000"/>
           </a:p>
         </p:txBody>
       </p:sp>
@@ -12913,7 +12940,7 @@
   <p:cSld>
     <p:spTree>
       <p:nvGrpSpPr>
-        <p:cNvPr id="67" name="Shape 67"/>
+        <p:cNvPr id="68" name="Shape 68"/>
         <p:cNvGrpSpPr/>
         <p:nvPr/>
       </p:nvGrpSpPr>
@@ -12927,7 +12954,7 @@
       </p:grpSpPr>
       <p:sp>
         <p:nvSpPr>
-          <p:cNvPr id="68" name="Google Shape;68;p13"/>
+          <p:cNvPr id="69" name="Google Shape;69;p13"/>
           <p:cNvSpPr txBox="1"/>
           <p:nvPr>
             <p:ph type="title"/>
@@ -12967,7 +12994,7 @@
       </p:sp>
       <p:sp>
         <p:nvSpPr>
-          <p:cNvPr id="69" name="Google Shape;69;p13"/>
+          <p:cNvPr id="70" name="Google Shape;70;p13"/>
           <p:cNvSpPr txBox="1"/>
           <p:nvPr>
             <p:ph idx="12" type="sldNum"/>
@@ -12975,8 +13002,8 @@
         </p:nvSpPr>
         <p:spPr>
           <a:xfrm>
-            <a:off x="7315202" y="4416550"/>
-            <a:ext cx="1828800" cy="731400"/>
+            <a:off x="7315209" y="4229101"/>
+            <a:ext cx="1828800" cy="914400"/>
           </a:xfrm>
           <a:prstGeom prst="rect">
             <a:avLst/>
@@ -13014,33 +13041,25 @@
               <a:buNone/>
             </a:pPr>
             <a:r>
-              <a:rPr b="0" lang="en" sz="900" u="sng">
+              <a:rPr b="0" lang="en" sz="1000" u="sng">
                 <a:solidFill>
                   <a:schemeClr val="hlink"/>
                 </a:solidFill>
                 <a:hlinkClick r:id="rId3"/>
               </a:rPr>
-              <a:t>https://profriehle.com</a:t>
+              <a:t>uni1.de/nyt</a:t>
             </a:r>
             <a:r>
-              <a:rPr b="0" lang="en" sz="900">
-                <a:solidFill>
-                  <a:schemeClr val="dk2"/>
-                </a:solidFill>
-              </a:rPr>
+              <a:rPr b="0" lang="en" sz="1000"/>
               <a:t> </a:t>
             </a:r>
-            <a:endParaRPr b="0" sz="900">
-              <a:solidFill>
-                <a:schemeClr val="dk2"/>
-              </a:solidFill>
-            </a:endParaRPr>
+            <a:endParaRPr b="0" sz="1000"/>
           </a:p>
         </p:txBody>
       </p:sp>
       <p:pic>
         <p:nvPicPr>
-          <p:cNvPr id="70" name="Google Shape;70;p13"/>
+          <p:cNvPr id="71" name="Google Shape;71;p13"/>
           <p:cNvPicPr preferRelativeResize="0"/>
           <p:nvPr/>
         </p:nvPicPr>
@@ -13068,7 +13087,7 @@
       </p:pic>
       <p:pic>
         <p:nvPicPr>
-          <p:cNvPr id="71" name="Google Shape;71;p13"/>
+          <p:cNvPr id="72" name="Google Shape;72;p13"/>
           <p:cNvPicPr preferRelativeResize="0"/>
           <p:nvPr/>
         </p:nvPicPr>
@@ -13096,7 +13115,7 @@
       </p:pic>
       <p:sp>
         <p:nvSpPr>
-          <p:cNvPr id="72" name="Google Shape;72;p13"/>
+          <p:cNvPr id="73" name="Google Shape;73;p13"/>
           <p:cNvSpPr txBox="1"/>
           <p:nvPr>
             <p:ph idx="1" type="body"/>
@@ -13237,7 +13256,7 @@
   <p:cSld>
     <p:spTree>
       <p:nvGrpSpPr>
-        <p:cNvPr id="76" name="Shape 76"/>
+        <p:cNvPr id="77" name="Shape 77"/>
         <p:cNvGrpSpPr/>
         <p:nvPr/>
       </p:nvGrpSpPr>
@@ -13251,7 +13270,7 @@
       </p:grpSpPr>
       <p:sp>
         <p:nvSpPr>
-          <p:cNvPr id="77" name="Google Shape;77;p14"/>
+          <p:cNvPr id="78" name="Google Shape;78;p14"/>
           <p:cNvSpPr txBox="1"/>
           <p:nvPr>
             <p:ph type="title"/>
@@ -13291,7 +13310,7 @@
       </p:sp>
       <p:sp>
         <p:nvSpPr>
-          <p:cNvPr id="78" name="Google Shape;78;p14"/>
+          <p:cNvPr id="79" name="Google Shape;79;p14"/>
           <p:cNvSpPr txBox="1"/>
           <p:nvPr>
             <p:ph idx="1" type="body"/>
@@ -13386,7 +13405,7 @@
       </p:sp>
       <p:sp>
         <p:nvSpPr>
-          <p:cNvPr id="79" name="Google Shape;79;p14"/>
+          <p:cNvPr id="80" name="Google Shape;80;p14"/>
           <p:cNvSpPr txBox="1"/>
           <p:nvPr>
             <p:ph idx="12" type="sldNum"/>
@@ -13394,8 +13413,8 @@
         </p:nvSpPr>
         <p:spPr>
           <a:xfrm>
-            <a:off x="7315202" y="4416550"/>
-            <a:ext cx="1828800" cy="731400"/>
+            <a:off x="7315209" y="4229101"/>
+            <a:ext cx="1828800" cy="914400"/>
           </a:xfrm>
           <a:prstGeom prst="rect">
             <a:avLst/>
@@ -13433,27 +13452,19 @@
               <a:buNone/>
             </a:pPr>
             <a:r>
-              <a:rPr b="0" lang="en" sz="900" u="sng">
+              <a:rPr b="0" lang="en" sz="1000" u="sng">
                 <a:solidFill>
                   <a:schemeClr val="hlink"/>
                 </a:solidFill>
                 <a:hlinkClick r:id="rId3"/>
               </a:rPr>
-              <a:t>https://profriehle.com</a:t>
+              <a:t>uni1.de/nyt</a:t>
             </a:r>
             <a:r>
-              <a:rPr b="0" lang="en" sz="900">
-                <a:solidFill>
-                  <a:schemeClr val="dk2"/>
-                </a:solidFill>
-              </a:rPr>
+              <a:rPr b="0" lang="en" sz="1000"/>
               <a:t> </a:t>
             </a:r>
-            <a:endParaRPr b="0" sz="900">
-              <a:solidFill>
-                <a:schemeClr val="dk2"/>
-              </a:solidFill>
-            </a:endParaRPr>
+            <a:endParaRPr b="0" sz="1000"/>
           </a:p>
         </p:txBody>
       </p:sp>
@@ -13470,7 +13481,7 @@
   <p:cSld>
     <p:spTree>
       <p:nvGrpSpPr>
-        <p:cNvPr id="83" name="Shape 83"/>
+        <p:cNvPr id="84" name="Shape 84"/>
         <p:cNvGrpSpPr/>
         <p:nvPr/>
       </p:nvGrpSpPr>
@@ -13484,7 +13495,7 @@
       </p:grpSpPr>
       <p:sp>
         <p:nvSpPr>
-          <p:cNvPr id="84" name="Google Shape;84;p15"/>
+          <p:cNvPr id="85" name="Google Shape;85;p15"/>
           <p:cNvSpPr txBox="1"/>
           <p:nvPr>
             <p:ph type="title"/>
@@ -13524,7 +13535,7 @@
       </p:sp>
       <p:sp>
         <p:nvSpPr>
-          <p:cNvPr id="85" name="Google Shape;85;p15"/>
+          <p:cNvPr id="86" name="Google Shape;86;p15"/>
           <p:cNvSpPr txBox="1"/>
           <p:nvPr>
             <p:ph idx="1" type="body"/>
@@ -13564,7 +13575,7 @@
       </p:sp>
       <p:sp>
         <p:nvSpPr>
-          <p:cNvPr id="86" name="Google Shape;86;p15"/>
+          <p:cNvPr id="87" name="Google Shape;87;p15"/>
           <p:cNvSpPr txBox="1"/>
           <p:nvPr>
             <p:ph idx="12" type="sldNum"/>
@@ -13572,8 +13583,8 @@
         </p:nvSpPr>
         <p:spPr>
           <a:xfrm>
-            <a:off x="7315202" y="4416550"/>
-            <a:ext cx="1828800" cy="731400"/>
+            <a:off x="7315209" y="4229101"/>
+            <a:ext cx="1828800" cy="914400"/>
           </a:xfrm>
           <a:prstGeom prst="rect">
             <a:avLst/>
@@ -13611,27 +13622,19 @@
               <a:buNone/>
             </a:pPr>
             <a:r>
-              <a:rPr b="0" lang="en" sz="900" u="sng">
+              <a:rPr b="0" lang="en" sz="1000" u="sng">
                 <a:solidFill>
                   <a:schemeClr val="hlink"/>
                 </a:solidFill>
                 <a:hlinkClick r:id="rId3"/>
               </a:rPr>
-              <a:t>https://profriehle.com</a:t>
+              <a:t>uni1.de/nyt</a:t>
             </a:r>
             <a:r>
-              <a:rPr b="0" lang="en" sz="900">
-                <a:solidFill>
-                  <a:schemeClr val="dk2"/>
-                </a:solidFill>
-              </a:rPr>
+              <a:rPr b="0" lang="en" sz="1000"/>
               <a:t> </a:t>
             </a:r>
-            <a:endParaRPr b="0" sz="900">
-              <a:solidFill>
-                <a:schemeClr val="dk2"/>
-              </a:solidFill>
-            </a:endParaRPr>
+            <a:endParaRPr b="0" sz="1000"/>
           </a:p>
         </p:txBody>
       </p:sp>
@@ -13648,7 +13651,7 @@
   <p:cSld>
     <p:spTree>
       <p:nvGrpSpPr>
-        <p:cNvPr id="90" name="Shape 90"/>
+        <p:cNvPr id="91" name="Shape 91"/>
         <p:cNvGrpSpPr/>
         <p:nvPr/>
       </p:nvGrpSpPr>
@@ -13662,7 +13665,7 @@
       </p:grpSpPr>
       <p:sp>
         <p:nvSpPr>
-          <p:cNvPr id="91" name="Google Shape;91;p16"/>
+          <p:cNvPr id="92" name="Google Shape;92;p16"/>
           <p:cNvSpPr txBox="1"/>
           <p:nvPr>
             <p:ph type="title"/>
@@ -13709,6 +13712,285 @@
 </file>
 
 <file path=ppt/theme/theme1.xml><?xml version="1.0" encoding="utf-8"?>
+<a:theme xmlns:a="http://schemas.openxmlformats.org/drawingml/2006/main" xmlns:r="http://schemas.openxmlformats.org/officeDocument/2006/relationships" name="NYT Slides Template">
+  <a:themeElements>
+    <a:clrScheme name="Simple Light">
+      <a:dk1>
+        <a:srgbClr val="000000"/>
+      </a:dk1>
+      <a:lt1>
+        <a:srgbClr val="FFFFFF"/>
+      </a:lt1>
+      <a:dk2>
+        <a:srgbClr val="404040"/>
+      </a:dk2>
+      <a:lt2>
+        <a:srgbClr val="808080"/>
+      </a:lt2>
+      <a:accent1>
+        <a:srgbClr val="D0D0D0"/>
+      </a:accent1>
+      <a:accent2>
+        <a:srgbClr val="4169E1"/>
+      </a:accent2>
+      <a:accent3>
+        <a:srgbClr val="D50D01"/>
+      </a:accent3>
+      <a:accent4>
+        <a:srgbClr val="FEB612"/>
+      </a:accent4>
+      <a:accent5>
+        <a:srgbClr val="4CAF50"/>
+      </a:accent5>
+      <a:accent6>
+        <a:srgbClr val="8E44AD"/>
+      </a:accent6>
+      <a:hlink>
+        <a:srgbClr val="34A3C5"/>
+      </a:hlink>
+      <a:folHlink>
+        <a:srgbClr val="0097A7"/>
+      </a:folHlink>
+    </a:clrScheme>
+    <a:fontScheme name="Office">
+      <a:majorFont>
+        <a:latin typeface="Arial"/>
+        <a:ea typeface=""/>
+        <a:cs typeface=""/>
+        <a:font script="Jpan" typeface="ＭＳ Ｐゴシック"/>
+        <a:font script="Hang" typeface="맑은 고딕"/>
+        <a:font script="Hans" typeface="宋体"/>
+        <a:font script="Hant" typeface="新細明體"/>
+        <a:font script="Arab" typeface="Times New Roman"/>
+        <a:font script="Hebr" typeface="Times New Roman"/>
+        <a:font script="Thai" typeface="Angsana New"/>
+        <a:font script="Ethi" typeface="Nyala"/>
+        <a:font script="Beng" typeface="Vrinda"/>
+        <a:font script="Gujr" typeface="Shruti"/>
+        <a:font script="Khmr" typeface="MoolBoran"/>
+        <a:font script="Knda" typeface="Tunga"/>
+        <a:font script="Guru" typeface="Raavi"/>
+        <a:font script="Cans" typeface="Euphemia"/>
+        <a:font script="Cher" typeface="Plantagenet Cherokee"/>
+        <a:font script="Yiii" typeface="Microsoft Yi Baiti"/>
+        <a:font script="Tibt" typeface="Microsoft Himalaya"/>
+        <a:font script="Thaa" typeface="MV Boli"/>
+        <a:font script="Deva" typeface="Mangal"/>
+        <a:font script="Telu" typeface="Gautami"/>
+        <a:font script="Taml" typeface="Latha"/>
+        <a:font script="Syrc" typeface="Estrangelo Edessa"/>
+        <a:font script="Orya" typeface="Kalinga"/>
+        <a:font script="Mlym" typeface="Kartika"/>
+        <a:font script="Laoo" typeface="DokChampa"/>
+        <a:font script="Sinh" typeface="Iskoola Pota"/>
+        <a:font script="Mong" typeface="Mongolian Baiti"/>
+        <a:font script="Viet" typeface="Times New Roman"/>
+        <a:font script="Uigh" typeface="Microsoft Uighur"/>
+        <a:font script="Geor" typeface="Sylfaen"/>
+      </a:majorFont>
+      <a:minorFont>
+        <a:latin typeface="Arial"/>
+        <a:ea typeface=""/>
+        <a:cs typeface=""/>
+        <a:font script="Jpan" typeface="ＭＳ Ｐゴシック"/>
+        <a:font script="Hang" typeface="맑은 고딕"/>
+        <a:font script="Hans" typeface="宋体"/>
+        <a:font script="Hant" typeface="新細明體"/>
+        <a:font script="Arab" typeface="Arial"/>
+        <a:font script="Hebr" typeface="Arial"/>
+        <a:font script="Thai" typeface="Cordia New"/>
+        <a:font script="Ethi" typeface="Nyala"/>
+        <a:font script="Beng" typeface="Vrinda"/>
+        <a:font script="Gujr" typeface="Shruti"/>
+        <a:font script="Khmr" typeface="DaunPenh"/>
+        <a:font script="Knda" typeface="Tunga"/>
+        <a:font script="Guru" typeface="Raavi"/>
+        <a:font script="Cans" typeface="Euphemia"/>
+        <a:font script="Cher" typeface="Plantagenet Cherokee"/>
+        <a:font script="Yiii" typeface="Microsoft Yi Baiti"/>
+        <a:font script="Tibt" typeface="Microsoft Himalaya"/>
+        <a:font script="Thaa" typeface="MV Boli"/>
+        <a:font script="Deva" typeface="Mangal"/>
+        <a:font script="Telu" typeface="Gautami"/>
+        <a:font script="Taml" typeface="Latha"/>
+        <a:font script="Syrc" typeface="Estrangelo Edessa"/>
+        <a:font script="Orya" typeface="Kalinga"/>
+        <a:font script="Mlym" typeface="Kartika"/>
+        <a:font script="Laoo" typeface="DokChampa"/>
+        <a:font script="Sinh" typeface="Iskoola Pota"/>
+        <a:font script="Mong" typeface="Mongolian Baiti"/>
+        <a:font script="Viet" typeface="Arial"/>
+        <a:font script="Uigh" typeface="Microsoft Uighur"/>
+        <a:font script="Geor" typeface="Sylfaen"/>
+      </a:minorFont>
+    </a:fontScheme>
+    <a:fmtScheme name="Office">
+      <a:fillStyleLst>
+        <a:solidFill>
+          <a:schemeClr val="phClr"/>
+        </a:solidFill>
+        <a:gradFill rotWithShape="1">
+          <a:gsLst>
+            <a:gs pos="0">
+              <a:schemeClr val="phClr">
+                <a:tint val="50000"/>
+                <a:satMod val="300000"/>
+              </a:schemeClr>
+            </a:gs>
+            <a:gs pos="35000">
+              <a:schemeClr val="phClr">
+                <a:tint val="37000"/>
+                <a:satMod val="300000"/>
+              </a:schemeClr>
+            </a:gs>
+            <a:gs pos="100000">
+              <a:schemeClr val="phClr">
+                <a:tint val="15000"/>
+                <a:satMod val="350000"/>
+              </a:schemeClr>
+            </a:gs>
+          </a:gsLst>
+          <a:lin ang="16200000" scaled="1"/>
+        </a:gradFill>
+        <a:gradFill rotWithShape="1">
+          <a:gsLst>
+            <a:gs pos="0">
+              <a:schemeClr val="phClr">
+                <a:tint val="100000"/>
+                <a:shade val="100000"/>
+                <a:satMod val="130000"/>
+              </a:schemeClr>
+            </a:gs>
+            <a:gs pos="100000">
+              <a:schemeClr val="phClr">
+                <a:tint val="50000"/>
+                <a:shade val="100000"/>
+                <a:satMod val="350000"/>
+              </a:schemeClr>
+            </a:gs>
+          </a:gsLst>
+          <a:lin ang="16200000" scaled="0"/>
+        </a:gradFill>
+      </a:fillStyleLst>
+      <a:lnStyleLst>
+        <a:ln w="9525" cap="flat" cmpd="sng" algn="ctr">
+          <a:solidFill>
+            <a:schemeClr val="phClr">
+              <a:shade val="95000"/>
+              <a:satMod val="105000"/>
+            </a:schemeClr>
+          </a:solidFill>
+          <a:prstDash val="solid"/>
+        </a:ln>
+        <a:ln w="25400" cap="flat" cmpd="sng" algn="ctr">
+          <a:solidFill>
+            <a:schemeClr val="phClr"/>
+          </a:solidFill>
+          <a:prstDash val="solid"/>
+        </a:ln>
+        <a:ln w="38100" cap="flat" cmpd="sng" algn="ctr">
+          <a:solidFill>
+            <a:schemeClr val="phClr"/>
+          </a:solidFill>
+          <a:prstDash val="solid"/>
+        </a:ln>
+      </a:lnStyleLst>
+      <a:effectStyleLst>
+        <a:effectStyle>
+          <a:effectLst>
+            <a:outerShdw blurRad="40000" dist="20000" dir="5400000" rotWithShape="0">
+              <a:srgbClr val="000000">
+                <a:alpha val="38000"/>
+              </a:srgbClr>
+            </a:outerShdw>
+          </a:effectLst>
+        </a:effectStyle>
+        <a:effectStyle>
+          <a:effectLst>
+            <a:outerShdw blurRad="40000" dist="23000" dir="5400000" rotWithShape="0">
+              <a:srgbClr val="000000">
+                <a:alpha val="35000"/>
+              </a:srgbClr>
+            </a:outerShdw>
+          </a:effectLst>
+        </a:effectStyle>
+        <a:effectStyle>
+          <a:effectLst>
+            <a:outerShdw blurRad="40000" dist="23000" dir="5400000" rotWithShape="0">
+              <a:srgbClr val="000000">
+                <a:alpha val="35000"/>
+              </a:srgbClr>
+            </a:outerShdw>
+          </a:effectLst>
+          <a:scene3d>
+            <a:camera prst="orthographicFront">
+              <a:rot lat="0" lon="0" rev="0"/>
+            </a:camera>
+            <a:lightRig rig="threePt" dir="t">
+              <a:rot lat="0" lon="0" rev="1200000"/>
+            </a:lightRig>
+          </a:scene3d>
+          <a:sp3d>
+            <a:bevelT w="63500" h="25400"/>
+          </a:sp3d>
+        </a:effectStyle>
+      </a:effectStyleLst>
+      <a:bgFillStyleLst>
+        <a:solidFill>
+          <a:schemeClr val="phClr"/>
+        </a:solidFill>
+        <a:gradFill rotWithShape="1">
+          <a:gsLst>
+            <a:gs pos="0">
+              <a:schemeClr val="phClr">
+                <a:tint val="40000"/>
+                <a:satMod val="350000"/>
+              </a:schemeClr>
+            </a:gs>
+            <a:gs pos="40000">
+              <a:schemeClr val="phClr">
+                <a:tint val="45000"/>
+                <a:shade val="99000"/>
+                <a:satMod val="350000"/>
+              </a:schemeClr>
+            </a:gs>
+            <a:gs pos="100000">
+              <a:schemeClr val="phClr">
+                <a:shade val="20000"/>
+                <a:satMod val="255000"/>
+              </a:schemeClr>
+            </a:gs>
+          </a:gsLst>
+          <a:path path="circle">
+            <a:fillToRect l="50000" t="-80000" r="50000" b="180000"/>
+          </a:path>
+        </a:gradFill>
+        <a:gradFill rotWithShape="1">
+          <a:gsLst>
+            <a:gs pos="0">
+              <a:schemeClr val="phClr">
+                <a:tint val="80000"/>
+                <a:satMod val="300000"/>
+              </a:schemeClr>
+            </a:gs>
+            <a:gs pos="100000">
+              <a:schemeClr val="phClr">
+                <a:shade val="30000"/>
+                <a:satMod val="200000"/>
+              </a:schemeClr>
+            </a:gs>
+          </a:gsLst>
+          <a:path path="circle">
+            <a:fillToRect l="50000" t="50000" r="50000" b="50000"/>
+          </a:path>
+        </a:gradFill>
+      </a:bgFillStyleLst>
+    </a:fmtScheme>
+  </a:themeElements>
+</a:theme>
+</file>
+
+<file path=ppt/theme/theme2.xml><?xml version="1.0" encoding="utf-8"?>
 <a:theme xmlns:a="http://schemas.openxmlformats.org/drawingml/2006/main" xmlns:r="http://schemas.openxmlformats.org/officeDocument/2006/relationships">
   <a:themeElements>
     <a:clrScheme name="Default">
@@ -13985,283 +14267,4 @@
     </a:fmtScheme>
   </a:themeElements>
 </a:theme>
-</file>
-
-<file path=ppt/theme/theme2.xml><?xml version="1.0" encoding="utf-8"?>
-<a:theme xmlns:a="http://schemas.openxmlformats.org/drawingml/2006/main" xmlns:r="http://schemas.openxmlformats.org/officeDocument/2006/relationships" name="NYT Slides Template">
-  <a:themeElements>
-    <a:clrScheme name="Simple Light">
-      <a:dk1>
-        <a:srgbClr val="000000"/>
-      </a:dk1>
-      <a:lt1>
-        <a:srgbClr val="FFFFFF"/>
-      </a:lt1>
-      <a:dk2>
-        <a:srgbClr val="808080"/>
-      </a:dk2>
-      <a:lt2>
-        <a:srgbClr val="DCDCDC"/>
-      </a:lt2>
-      <a:accent1>
-        <a:srgbClr val="4CAF50"/>
-      </a:accent1>
-      <a:accent2>
-        <a:srgbClr val="1E90FF"/>
-      </a:accent2>
-      <a:accent3>
-        <a:srgbClr val="FF0000"/>
-      </a:accent3>
-      <a:accent4>
-        <a:srgbClr val="424242"/>
-      </a:accent4>
-      <a:accent5>
-        <a:srgbClr val="D9D9D9"/>
-      </a:accent5>
-      <a:accent6>
-        <a:srgbClr val="D9D9D9"/>
-      </a:accent6>
-      <a:hlink>
-        <a:srgbClr val="34A3C5"/>
-      </a:hlink>
-      <a:folHlink>
-        <a:srgbClr val="0097A7"/>
-      </a:folHlink>
-    </a:clrScheme>
-    <a:fontScheme name="Office">
-      <a:majorFont>
-        <a:latin typeface="Arial"/>
-        <a:ea typeface=""/>
-        <a:cs typeface=""/>
-        <a:font script="Jpan" typeface="ＭＳ Ｐゴシック"/>
-        <a:font script="Hang" typeface="맑은 고딕"/>
-        <a:font script="Hans" typeface="宋体"/>
-        <a:font script="Hant" typeface="新細明體"/>
-        <a:font script="Arab" typeface="Times New Roman"/>
-        <a:font script="Hebr" typeface="Times New Roman"/>
-        <a:font script="Thai" typeface="Angsana New"/>
-        <a:font script="Ethi" typeface="Nyala"/>
-        <a:font script="Beng" typeface="Vrinda"/>
-        <a:font script="Gujr" typeface="Shruti"/>
-        <a:font script="Khmr" typeface="MoolBoran"/>
-        <a:font script="Knda" typeface="Tunga"/>
-        <a:font script="Guru" typeface="Raavi"/>
-        <a:font script="Cans" typeface="Euphemia"/>
-        <a:font script="Cher" typeface="Plantagenet Cherokee"/>
-        <a:font script="Yiii" typeface="Microsoft Yi Baiti"/>
-        <a:font script="Tibt" typeface="Microsoft Himalaya"/>
-        <a:font script="Thaa" typeface="MV Boli"/>
-        <a:font script="Deva" typeface="Mangal"/>
-        <a:font script="Telu" typeface="Gautami"/>
-        <a:font script="Taml" typeface="Latha"/>
-        <a:font script="Syrc" typeface="Estrangelo Edessa"/>
-        <a:font script="Orya" typeface="Kalinga"/>
-        <a:font script="Mlym" typeface="Kartika"/>
-        <a:font script="Laoo" typeface="DokChampa"/>
-        <a:font script="Sinh" typeface="Iskoola Pota"/>
-        <a:font script="Mong" typeface="Mongolian Baiti"/>
-        <a:font script="Viet" typeface="Times New Roman"/>
-        <a:font script="Uigh" typeface="Microsoft Uighur"/>
-        <a:font script="Geor" typeface="Sylfaen"/>
-      </a:majorFont>
-      <a:minorFont>
-        <a:latin typeface="Arial"/>
-        <a:ea typeface=""/>
-        <a:cs typeface=""/>
-        <a:font script="Jpan" typeface="ＭＳ Ｐゴシック"/>
-        <a:font script="Hang" typeface="맑은 고딕"/>
-        <a:font script="Hans" typeface="宋体"/>
-        <a:font script="Hant" typeface="新細明體"/>
-        <a:font script="Arab" typeface="Arial"/>
-        <a:font script="Hebr" typeface="Arial"/>
-        <a:font script="Thai" typeface="Cordia New"/>
-        <a:font script="Ethi" typeface="Nyala"/>
-        <a:font script="Beng" typeface="Vrinda"/>
-        <a:font script="Gujr" typeface="Shruti"/>
-        <a:font script="Khmr" typeface="DaunPenh"/>
-        <a:font script="Knda" typeface="Tunga"/>
-        <a:font script="Guru" typeface="Raavi"/>
-        <a:font script="Cans" typeface="Euphemia"/>
-        <a:font script="Cher" typeface="Plantagenet Cherokee"/>
-        <a:font script="Yiii" typeface="Microsoft Yi Baiti"/>
-        <a:font script="Tibt" typeface="Microsoft Himalaya"/>
-        <a:font script="Thaa" typeface="MV Boli"/>
-        <a:font script="Deva" typeface="Mangal"/>
-        <a:font script="Telu" typeface="Gautami"/>
-        <a:font script="Taml" typeface="Latha"/>
-        <a:font script="Syrc" typeface="Estrangelo Edessa"/>
-        <a:font script="Orya" typeface="Kalinga"/>
-        <a:font script="Mlym" typeface="Kartika"/>
-        <a:font script="Laoo" typeface="DokChampa"/>
-        <a:font script="Sinh" typeface="Iskoola Pota"/>
-        <a:font script="Mong" typeface="Mongolian Baiti"/>
-        <a:font script="Viet" typeface="Arial"/>
-        <a:font script="Uigh" typeface="Microsoft Uighur"/>
-        <a:font script="Geor" typeface="Sylfaen"/>
-      </a:minorFont>
-    </a:fontScheme>
-    <a:fmtScheme name="Office">
-      <a:fillStyleLst>
-        <a:solidFill>
-          <a:schemeClr val="phClr"/>
-        </a:solidFill>
-        <a:gradFill rotWithShape="1">
-          <a:gsLst>
-            <a:gs pos="0">
-              <a:schemeClr val="phClr">
-                <a:tint val="50000"/>
-                <a:satMod val="300000"/>
-              </a:schemeClr>
-            </a:gs>
-            <a:gs pos="35000">
-              <a:schemeClr val="phClr">
-                <a:tint val="37000"/>
-                <a:satMod val="300000"/>
-              </a:schemeClr>
-            </a:gs>
-            <a:gs pos="100000">
-              <a:schemeClr val="phClr">
-                <a:tint val="15000"/>
-                <a:satMod val="350000"/>
-              </a:schemeClr>
-            </a:gs>
-          </a:gsLst>
-          <a:lin ang="16200000" scaled="1"/>
-        </a:gradFill>
-        <a:gradFill rotWithShape="1">
-          <a:gsLst>
-            <a:gs pos="0">
-              <a:schemeClr val="phClr">
-                <a:tint val="100000"/>
-                <a:shade val="100000"/>
-                <a:satMod val="130000"/>
-              </a:schemeClr>
-            </a:gs>
-            <a:gs pos="100000">
-              <a:schemeClr val="phClr">
-                <a:tint val="50000"/>
-                <a:shade val="100000"/>
-                <a:satMod val="350000"/>
-              </a:schemeClr>
-            </a:gs>
-          </a:gsLst>
-          <a:lin ang="16200000" scaled="0"/>
-        </a:gradFill>
-      </a:fillStyleLst>
-      <a:lnStyleLst>
-        <a:ln w="9525" cap="flat" cmpd="sng" algn="ctr">
-          <a:solidFill>
-            <a:schemeClr val="phClr">
-              <a:shade val="95000"/>
-              <a:satMod val="105000"/>
-            </a:schemeClr>
-          </a:solidFill>
-          <a:prstDash val="solid"/>
-        </a:ln>
-        <a:ln w="25400" cap="flat" cmpd="sng" algn="ctr">
-          <a:solidFill>
-            <a:schemeClr val="phClr"/>
-          </a:solidFill>
-          <a:prstDash val="solid"/>
-        </a:ln>
-        <a:ln w="38100" cap="flat" cmpd="sng" algn="ctr">
-          <a:solidFill>
-            <a:schemeClr val="phClr"/>
-          </a:solidFill>
-          <a:prstDash val="solid"/>
-        </a:ln>
-      </a:lnStyleLst>
-      <a:effectStyleLst>
-        <a:effectStyle>
-          <a:effectLst>
-            <a:outerShdw blurRad="40000" dist="20000" dir="5400000" rotWithShape="0">
-              <a:srgbClr val="000000">
-                <a:alpha val="38000"/>
-              </a:srgbClr>
-            </a:outerShdw>
-          </a:effectLst>
-        </a:effectStyle>
-        <a:effectStyle>
-          <a:effectLst>
-            <a:outerShdw blurRad="40000" dist="23000" dir="5400000" rotWithShape="0">
-              <a:srgbClr val="000000">
-                <a:alpha val="35000"/>
-              </a:srgbClr>
-            </a:outerShdw>
-          </a:effectLst>
-        </a:effectStyle>
-        <a:effectStyle>
-          <a:effectLst>
-            <a:outerShdw blurRad="40000" dist="23000" dir="5400000" rotWithShape="0">
-              <a:srgbClr val="000000">
-                <a:alpha val="35000"/>
-              </a:srgbClr>
-            </a:outerShdw>
-          </a:effectLst>
-          <a:scene3d>
-            <a:camera prst="orthographicFront">
-              <a:rot lat="0" lon="0" rev="0"/>
-            </a:camera>
-            <a:lightRig rig="threePt" dir="t">
-              <a:rot lat="0" lon="0" rev="1200000"/>
-            </a:lightRig>
-          </a:scene3d>
-          <a:sp3d>
-            <a:bevelT w="63500" h="25400"/>
-          </a:sp3d>
-        </a:effectStyle>
-      </a:effectStyleLst>
-      <a:bgFillStyleLst>
-        <a:solidFill>
-          <a:schemeClr val="phClr"/>
-        </a:solidFill>
-        <a:gradFill rotWithShape="1">
-          <a:gsLst>
-            <a:gs pos="0">
-              <a:schemeClr val="phClr">
-                <a:tint val="40000"/>
-                <a:satMod val="350000"/>
-              </a:schemeClr>
-            </a:gs>
-            <a:gs pos="40000">
-              <a:schemeClr val="phClr">
-                <a:tint val="45000"/>
-                <a:shade val="99000"/>
-                <a:satMod val="350000"/>
-              </a:schemeClr>
-            </a:gs>
-            <a:gs pos="100000">
-              <a:schemeClr val="phClr">
-                <a:shade val="20000"/>
-                <a:satMod val="255000"/>
-              </a:schemeClr>
-            </a:gs>
-          </a:gsLst>
-          <a:path path="circle">
-            <a:fillToRect l="50000" t="-80000" r="50000" b="180000"/>
-          </a:path>
-        </a:gradFill>
-        <a:gradFill rotWithShape="1">
-          <a:gsLst>
-            <a:gs pos="0">
-              <a:schemeClr val="phClr">
-                <a:tint val="80000"/>
-                <a:satMod val="300000"/>
-              </a:schemeClr>
-            </a:gs>
-            <a:gs pos="100000">
-              <a:schemeClr val="phClr">
-                <a:shade val="30000"/>
-                <a:satMod val="200000"/>
-              </a:schemeClr>
-            </a:gs>
-          </a:gsLst>
-          <a:path path="circle">
-            <a:fillToRect l="50000" t="50000" r="50000" b="50000"/>
-          </a:path>
-        </a:gradFill>
-      </a:bgFillStyleLst>
-    </a:fmtScheme>
-  </a:themeElements>
-</a:theme>
 </file>